--- a/teaching/CS472-Spring2023/Timetable/Software_Testing.pptx
+++ b/teaching/CS472-Spring2023/Timetable/Software_Testing.pptx
@@ -5,7 +5,7 @@
     <p:sldMasterId id="2147483648" r:id="rId1"/>
   </p:sldMasterIdLst>
   <p:notesMasterIdLst>
-    <p:notesMasterId r:id="rId22"/>
+    <p:notesMasterId r:id="rId34"/>
   </p:notesMasterIdLst>
   <p:sldIdLst>
     <p:sldId id="256" r:id="rId2"/>
@@ -27,7 +27,19 @@
     <p:sldId id="274" r:id="rId18"/>
     <p:sldId id="273" r:id="rId19"/>
     <p:sldId id="275" r:id="rId20"/>
-    <p:sldId id="271" r:id="rId21"/>
+    <p:sldId id="276" r:id="rId21"/>
+    <p:sldId id="277" r:id="rId22"/>
+    <p:sldId id="278" r:id="rId23"/>
+    <p:sldId id="279" r:id="rId24"/>
+    <p:sldId id="280" r:id="rId25"/>
+    <p:sldId id="281" r:id="rId26"/>
+    <p:sldId id="282" r:id="rId27"/>
+    <p:sldId id="283" r:id="rId28"/>
+    <p:sldId id="284" r:id="rId29"/>
+    <p:sldId id="285" r:id="rId30"/>
+    <p:sldId id="286" r:id="rId31"/>
+    <p:sldId id="287" r:id="rId32"/>
+    <p:sldId id="288" r:id="rId33"/>
   </p:sldIdLst>
   <p:sldSz cx="12192000" cy="6858000"/>
   <p:notesSz cx="6858000" cy="9144000"/>
@@ -1288,15 +1300,7 @@
             </a:pPr>
             <a:r>
               <a:rPr lang="en-GB" dirty="0"/>
-              <a:t>Let us use and example of the The bank interest calculator </a:t>
-            </a:r>
-            <a:r>
-              <a:rPr lang="en-GB"/>
-              <a:t>API with </a:t>
-            </a:r>
-            <a:r>
-              <a:rPr lang="en-GB" dirty="0"/>
-              <a:t>the following requirements</a:t>
+              <a:t>Let us use and example of the The bank interest calculator API with the following requirements</a:t>
             </a:r>
           </a:p>
           <a:p>
@@ -1349,6 +1353,229 @@
     <p:extLst>
       <p:ext uri="{BB962C8B-B14F-4D97-AF65-F5344CB8AC3E}">
         <p14:creationId xmlns:p14="http://schemas.microsoft.com/office/powerpoint/2010/main" val="2927568348"/>
+      </p:ext>
+    </p:extLst>
+  </p:cSld>
+  <p:clrMapOvr>
+    <a:masterClrMapping/>
+  </p:clrMapOvr>
+</p:notes>
+</file>
+
+<file path=ppt/notesSlides/notesSlide18.xml><?xml version="1.0" encoding="utf-8"?>
+<p:notes xmlns:a="http://schemas.openxmlformats.org/drawingml/2006/main" xmlns:r="http://schemas.openxmlformats.org/officeDocument/2006/relationships" xmlns:p="http://schemas.openxmlformats.org/presentationml/2006/main">
+  <p:cSld>
+    <p:spTree>
+      <p:nvGrpSpPr>
+        <p:cNvPr id="1" name=""/>
+        <p:cNvGrpSpPr/>
+        <p:nvPr/>
+      </p:nvGrpSpPr>
+      <p:grpSpPr>
+        <a:xfrm>
+          <a:off x="0" y="0"/>
+          <a:ext cx="0" cy="0"/>
+          <a:chOff x="0" y="0"/>
+          <a:chExt cx="0" cy="0"/>
+        </a:xfrm>
+      </p:grpSpPr>
+      <p:sp>
+        <p:nvSpPr>
+          <p:cNvPr id="2" name="Slide Image Placeholder 1"/>
+          <p:cNvSpPr>
+            <a:spLocks noGrp="1" noRot="1" noChangeAspect="1"/>
+          </p:cNvSpPr>
+          <p:nvPr>
+            <p:ph type="sldImg"/>
+          </p:nvPr>
+        </p:nvSpPr>
+        <p:spPr/>
+      </p:sp>
+      <p:sp>
+        <p:nvSpPr>
+          <p:cNvPr id="3" name="Notes Placeholder 2"/>
+          <p:cNvSpPr>
+            <a:spLocks noGrp="1"/>
+          </p:cNvSpPr>
+          <p:nvPr>
+            <p:ph type="body" idx="1"/>
+          </p:nvPr>
+        </p:nvSpPr>
+        <p:spPr/>
+        <p:txBody>
+          <a:bodyPr/>
+          <a:lstStyle/>
+          <a:p>
+            <a:pPr marL="228600" indent="-228600">
+              <a:buFont typeface="+mj-lt"/>
+              <a:buAutoNum type="arabicPeriod"/>
+            </a:pPr>
+            <a:r>
+              <a:rPr lang="en-GB" dirty="0"/>
+              <a:t>Now let us look at boundary value analysis</a:t>
+            </a:r>
+          </a:p>
+          <a:p>
+            <a:pPr marL="228600" indent="-228600">
+              <a:buFont typeface="+mj-lt"/>
+              <a:buAutoNum type="arabicPeriod"/>
+            </a:pPr>
+            <a:r>
+              <a:rPr lang="en-GB" dirty="0"/>
+              <a:t>Many software bugs can be traced back to difficulties in the border areas of the equivalence classes, for example at the transition between two valid equivalence classes, between a valid and an invalid equivalence class, or due to an extreme value that was not taken into account.</a:t>
+            </a:r>
+          </a:p>
+          <a:p>
+            <a:pPr marL="228600" indent="-228600">
+              <a:buFont typeface="+mj-lt"/>
+              <a:buAutoNum type="arabicPeriod"/>
+            </a:pPr>
+            <a:r>
+              <a:rPr lang="en-GB" dirty="0"/>
+              <a:t>The result of such an analysis is useful to select the input values of a numerical parameter for the tests: min, min+1, nominal, max-1, max</a:t>
+            </a:r>
+          </a:p>
+          <a:p>
+            <a:pPr marL="228600" indent="-228600">
+              <a:buFont typeface="+mj-lt"/>
+              <a:buAutoNum type="arabicPeriod"/>
+            </a:pPr>
+            <a:r>
+              <a:rPr lang="en-GB" dirty="0"/>
+              <a:t>If the boundary values are determined and tested for each equivalence partition, then very good test coverage can be achieved in practice with relatively little effort.</a:t>
+            </a:r>
+            <a:endParaRPr lang="en-BE" dirty="0"/>
+          </a:p>
+        </p:txBody>
+      </p:sp>
+      <p:sp>
+        <p:nvSpPr>
+          <p:cNvPr id="4" name="Slide Number Placeholder 3"/>
+          <p:cNvSpPr>
+            <a:spLocks noGrp="1"/>
+          </p:cNvSpPr>
+          <p:nvPr>
+            <p:ph type="sldNum" sz="quarter" idx="5"/>
+          </p:nvPr>
+        </p:nvSpPr>
+        <p:spPr/>
+        <p:txBody>
+          <a:bodyPr/>
+          <a:lstStyle/>
+          <a:p>
+            <a:fld id="{9499C2D3-10A6-BA4A-A1A0-FEF31E4DC6A3}" type="slidenum">
+              <a:rPr lang="en-BE" smtClean="0"/>
+              <a:t>20</a:t>
+            </a:fld>
+            <a:endParaRPr lang="en-BE"/>
+          </a:p>
+        </p:txBody>
+      </p:sp>
+    </p:spTree>
+    <p:extLst>
+      <p:ext uri="{BB962C8B-B14F-4D97-AF65-F5344CB8AC3E}">
+        <p14:creationId xmlns:p14="http://schemas.microsoft.com/office/powerpoint/2010/main" val="3877835055"/>
+      </p:ext>
+    </p:extLst>
+  </p:cSld>
+  <p:clrMapOvr>
+    <a:masterClrMapping/>
+  </p:clrMapOvr>
+</p:notes>
+</file>
+
+<file path=ppt/notesSlides/notesSlide19.xml><?xml version="1.0" encoding="utf-8"?>
+<p:notes xmlns:a="http://schemas.openxmlformats.org/drawingml/2006/main" xmlns:r="http://schemas.openxmlformats.org/officeDocument/2006/relationships" xmlns:p="http://schemas.openxmlformats.org/presentationml/2006/main">
+  <p:cSld>
+    <p:spTree>
+      <p:nvGrpSpPr>
+        <p:cNvPr id="1" name=""/>
+        <p:cNvGrpSpPr/>
+        <p:nvPr/>
+      </p:nvGrpSpPr>
+      <p:grpSpPr>
+        <a:xfrm>
+          <a:off x="0" y="0"/>
+          <a:ext cx="0" cy="0"/>
+          <a:chOff x="0" y="0"/>
+          <a:chExt cx="0" cy="0"/>
+        </a:xfrm>
+      </p:grpSpPr>
+      <p:sp>
+        <p:nvSpPr>
+          <p:cNvPr id="2" name="Slide Image Placeholder 1"/>
+          <p:cNvSpPr>
+            <a:spLocks noGrp="1" noRot="1" noChangeAspect="1"/>
+          </p:cNvSpPr>
+          <p:nvPr>
+            <p:ph type="sldImg"/>
+          </p:nvPr>
+        </p:nvSpPr>
+        <p:spPr/>
+      </p:sp>
+      <p:sp>
+        <p:nvSpPr>
+          <p:cNvPr id="3" name="Notes Placeholder 2"/>
+          <p:cNvSpPr>
+            <a:spLocks noGrp="1"/>
+          </p:cNvSpPr>
+          <p:nvPr>
+            <p:ph type="body" idx="1"/>
+          </p:nvPr>
+        </p:nvSpPr>
+        <p:spPr/>
+        <p:txBody>
+          <a:bodyPr/>
+          <a:lstStyle/>
+          <a:p>
+            <a:r>
+              <a:rPr lang="en-GB" dirty="0"/>
+              <a:t>W</a:t>
+            </a:r>
+            <a:r>
+              <a:rPr lang="en-BE" dirty="0"/>
+              <a:t>e have a simple function foo with inputs - &gt; input, 3 booleans b1, b2, b3</a:t>
+            </a:r>
+          </a:p>
+          <a:p>
+            <a:r>
+              <a:rPr lang="en-GB" dirty="0"/>
+              <a:t>W</a:t>
+            </a:r>
+            <a:r>
+              <a:rPr lang="en-BE" dirty="0"/>
+              <a:t>e also have three if statements that manipulate the input</a:t>
+            </a:r>
+          </a:p>
+        </p:txBody>
+      </p:sp>
+      <p:sp>
+        <p:nvSpPr>
+          <p:cNvPr id="4" name="Slide Number Placeholder 3"/>
+          <p:cNvSpPr>
+            <a:spLocks noGrp="1"/>
+          </p:cNvSpPr>
+          <p:nvPr>
+            <p:ph type="sldNum" sz="quarter" idx="5"/>
+          </p:nvPr>
+        </p:nvSpPr>
+        <p:spPr/>
+        <p:txBody>
+          <a:bodyPr/>
+          <a:lstStyle/>
+          <a:p>
+            <a:fld id="{A042266E-4AE0-3346-930D-BC097FD258CE}" type="slidenum">
+              <a:rPr lang="en-BE" smtClean="0"/>
+              <a:t>23</a:t>
+            </a:fld>
+            <a:endParaRPr lang="en-BE"/>
+          </a:p>
+        </p:txBody>
+      </p:sp>
+    </p:spTree>
+    <p:extLst>
+      <p:ext uri="{BB962C8B-B14F-4D97-AF65-F5344CB8AC3E}">
+        <p14:creationId xmlns:p14="http://schemas.microsoft.com/office/powerpoint/2010/main" val="3443431792"/>
       </p:ext>
     </p:extLst>
   </p:cSld>
@@ -1475,6 +1702,654 @@
     <p:extLst>
       <p:ext uri="{BB962C8B-B14F-4D97-AF65-F5344CB8AC3E}">
         <p14:creationId xmlns:p14="http://schemas.microsoft.com/office/powerpoint/2010/main" val="2844037542"/>
+      </p:ext>
+    </p:extLst>
+  </p:cSld>
+  <p:clrMapOvr>
+    <a:masterClrMapping/>
+  </p:clrMapOvr>
+</p:notes>
+</file>
+
+<file path=ppt/notesSlides/notesSlide20.xml><?xml version="1.0" encoding="utf-8"?>
+<p:notes xmlns:a="http://schemas.openxmlformats.org/drawingml/2006/main" xmlns:r="http://schemas.openxmlformats.org/officeDocument/2006/relationships" xmlns:p="http://schemas.openxmlformats.org/presentationml/2006/main">
+  <p:cSld>
+    <p:spTree>
+      <p:nvGrpSpPr>
+        <p:cNvPr id="1" name=""/>
+        <p:cNvGrpSpPr/>
+        <p:nvPr/>
+      </p:nvGrpSpPr>
+      <p:grpSpPr>
+        <a:xfrm>
+          <a:off x="0" y="0"/>
+          <a:ext cx="0" cy="0"/>
+          <a:chOff x="0" y="0"/>
+          <a:chExt cx="0" cy="0"/>
+        </a:xfrm>
+      </p:grpSpPr>
+      <p:sp>
+        <p:nvSpPr>
+          <p:cNvPr id="2" name="Slide Image Placeholder 1"/>
+          <p:cNvSpPr>
+            <a:spLocks noGrp="1" noRot="1" noChangeAspect="1"/>
+          </p:cNvSpPr>
+          <p:nvPr>
+            <p:ph type="sldImg"/>
+          </p:nvPr>
+        </p:nvSpPr>
+        <p:spPr/>
+      </p:sp>
+      <p:sp>
+        <p:nvSpPr>
+          <p:cNvPr id="3" name="Notes Placeholder 2"/>
+          <p:cNvSpPr>
+            <a:spLocks noGrp="1"/>
+          </p:cNvSpPr>
+          <p:nvPr>
+            <p:ph type="body" idx="1"/>
+          </p:nvPr>
+        </p:nvSpPr>
+        <p:spPr/>
+        <p:txBody>
+          <a:bodyPr/>
+          <a:lstStyle/>
+          <a:p>
+            <a:r>
+              <a:rPr lang="en-GB" dirty="0"/>
+              <a:t>S</a:t>
+            </a:r>
+            <a:r>
+              <a:rPr lang="en-BE" dirty="0"/>
+              <a:t>uppose we have a test case trying to assert if I call this function foo with </a:t>
+            </a:r>
+          </a:p>
+        </p:txBody>
+      </p:sp>
+      <p:sp>
+        <p:nvSpPr>
+          <p:cNvPr id="4" name="Slide Number Placeholder 3"/>
+          <p:cNvSpPr>
+            <a:spLocks noGrp="1"/>
+          </p:cNvSpPr>
+          <p:nvPr>
+            <p:ph type="sldNum" sz="quarter" idx="5"/>
+          </p:nvPr>
+        </p:nvSpPr>
+        <p:spPr/>
+        <p:txBody>
+          <a:bodyPr/>
+          <a:lstStyle/>
+          <a:p>
+            <a:fld id="{A042266E-4AE0-3346-930D-BC097FD258CE}" type="slidenum">
+              <a:rPr lang="en-BE" smtClean="0"/>
+              <a:t>24</a:t>
+            </a:fld>
+            <a:endParaRPr lang="en-BE"/>
+          </a:p>
+        </p:txBody>
+      </p:sp>
+    </p:spTree>
+    <p:extLst>
+      <p:ext uri="{BB962C8B-B14F-4D97-AF65-F5344CB8AC3E}">
+        <p14:creationId xmlns:p14="http://schemas.microsoft.com/office/powerpoint/2010/main" val="685954669"/>
+      </p:ext>
+    </p:extLst>
+  </p:cSld>
+  <p:clrMapOvr>
+    <a:masterClrMapping/>
+  </p:clrMapOvr>
+</p:notes>
+</file>
+
+<file path=ppt/notesSlides/notesSlide21.xml><?xml version="1.0" encoding="utf-8"?>
+<p:notes xmlns:a="http://schemas.openxmlformats.org/drawingml/2006/main" xmlns:r="http://schemas.openxmlformats.org/officeDocument/2006/relationships" xmlns:p="http://schemas.openxmlformats.org/presentationml/2006/main">
+  <p:cSld>
+    <p:spTree>
+      <p:nvGrpSpPr>
+        <p:cNvPr id="1" name=""/>
+        <p:cNvGrpSpPr/>
+        <p:nvPr/>
+      </p:nvGrpSpPr>
+      <p:grpSpPr>
+        <a:xfrm>
+          <a:off x="0" y="0"/>
+          <a:ext cx="0" cy="0"/>
+          <a:chOff x="0" y="0"/>
+          <a:chExt cx="0" cy="0"/>
+        </a:xfrm>
+      </p:grpSpPr>
+      <p:sp>
+        <p:nvSpPr>
+          <p:cNvPr id="2" name="Slide Image Placeholder 1"/>
+          <p:cNvSpPr>
+            <a:spLocks noGrp="1" noRot="1" noChangeAspect="1"/>
+          </p:cNvSpPr>
+          <p:nvPr>
+            <p:ph type="sldImg"/>
+          </p:nvPr>
+        </p:nvSpPr>
+        <p:spPr/>
+      </p:sp>
+      <p:sp>
+        <p:nvSpPr>
+          <p:cNvPr id="3" name="Notes Placeholder 2"/>
+          <p:cNvSpPr>
+            <a:spLocks noGrp="1"/>
+          </p:cNvSpPr>
+          <p:nvPr>
+            <p:ph type="body" idx="1"/>
+          </p:nvPr>
+        </p:nvSpPr>
+        <p:spPr/>
+        <p:txBody>
+          <a:bodyPr/>
+          <a:lstStyle/>
+          <a:p>
+            <a:pPr marL="0" marR="0" lvl="0" indent="0" algn="l" defTabSz="914400" rtl="0" eaLnBrk="1" fontAlgn="auto" latinLnBrk="0" hangingPunct="1">
+              <a:lnSpc>
+                <a:spcPct val="100000"/>
+              </a:lnSpc>
+              <a:spcBef>
+                <a:spcPts val="0"/>
+              </a:spcBef>
+              <a:spcAft>
+                <a:spcPts val="0"/>
+              </a:spcAft>
+              <a:buClrTx/>
+              <a:buSzTx/>
+              <a:buFontTx/>
+              <a:buNone/>
+              <a:tabLst/>
+              <a:defRPr/>
+            </a:pPr>
+            <a:r>
+              <a:rPr lang="en-BE" dirty="0"/>
+              <a:t>All the lines of this code will be executed, and hence we have 100% coverage</a:t>
+            </a:r>
+          </a:p>
+          <a:p>
+            <a:pPr marL="0" marR="0" lvl="0" indent="0" algn="l" defTabSz="914400" rtl="0" eaLnBrk="1" fontAlgn="auto" latinLnBrk="0" hangingPunct="1">
+              <a:lnSpc>
+                <a:spcPct val="100000"/>
+              </a:lnSpc>
+              <a:spcBef>
+                <a:spcPts val="0"/>
+              </a:spcBef>
+              <a:spcAft>
+                <a:spcPts val="0"/>
+              </a:spcAft>
+              <a:buClrTx/>
+              <a:buSzTx/>
+              <a:buFontTx/>
+              <a:buNone/>
+              <a:tabLst/>
+              <a:defRPr/>
+            </a:pPr>
+            <a:r>
+              <a:rPr lang="en-BE" dirty="0"/>
+              <a:t>If I change one of the </a:t>
+            </a:r>
+          </a:p>
+          <a:p>
+            <a:endParaRPr lang="en-BE" dirty="0"/>
+          </a:p>
+        </p:txBody>
+      </p:sp>
+      <p:sp>
+        <p:nvSpPr>
+          <p:cNvPr id="4" name="Slide Number Placeholder 3"/>
+          <p:cNvSpPr>
+            <a:spLocks noGrp="1"/>
+          </p:cNvSpPr>
+          <p:nvPr>
+            <p:ph type="sldNum" sz="quarter" idx="5"/>
+          </p:nvPr>
+        </p:nvSpPr>
+        <p:spPr/>
+        <p:txBody>
+          <a:bodyPr/>
+          <a:lstStyle/>
+          <a:p>
+            <a:fld id="{A042266E-4AE0-3346-930D-BC097FD258CE}" type="slidenum">
+              <a:rPr lang="en-BE" smtClean="0"/>
+              <a:t>25</a:t>
+            </a:fld>
+            <a:endParaRPr lang="en-BE"/>
+          </a:p>
+        </p:txBody>
+      </p:sp>
+    </p:spTree>
+    <p:extLst>
+      <p:ext uri="{BB962C8B-B14F-4D97-AF65-F5344CB8AC3E}">
+        <p14:creationId xmlns:p14="http://schemas.microsoft.com/office/powerpoint/2010/main" val="370474157"/>
+      </p:ext>
+    </p:extLst>
+  </p:cSld>
+  <p:clrMapOvr>
+    <a:masterClrMapping/>
+  </p:clrMapOvr>
+</p:notes>
+</file>
+
+<file path=ppt/notesSlides/notesSlide22.xml><?xml version="1.0" encoding="utf-8"?>
+<p:notes xmlns:a="http://schemas.openxmlformats.org/drawingml/2006/main" xmlns:r="http://schemas.openxmlformats.org/officeDocument/2006/relationships" xmlns:p="http://schemas.openxmlformats.org/presentationml/2006/main">
+  <p:cSld>
+    <p:spTree>
+      <p:nvGrpSpPr>
+        <p:cNvPr id="1" name=""/>
+        <p:cNvGrpSpPr/>
+        <p:nvPr/>
+      </p:nvGrpSpPr>
+      <p:grpSpPr>
+        <a:xfrm>
+          <a:off x="0" y="0"/>
+          <a:ext cx="0" cy="0"/>
+          <a:chOff x="0" y="0"/>
+          <a:chExt cx="0" cy="0"/>
+        </a:xfrm>
+      </p:grpSpPr>
+      <p:sp>
+        <p:nvSpPr>
+          <p:cNvPr id="2" name="Slide Image Placeholder 1"/>
+          <p:cNvSpPr>
+            <a:spLocks noGrp="1" noRot="1" noChangeAspect="1"/>
+          </p:cNvSpPr>
+          <p:nvPr>
+            <p:ph type="sldImg"/>
+          </p:nvPr>
+        </p:nvSpPr>
+        <p:spPr/>
+      </p:sp>
+      <p:sp>
+        <p:nvSpPr>
+          <p:cNvPr id="3" name="Notes Placeholder 2"/>
+          <p:cNvSpPr>
+            <a:spLocks noGrp="1"/>
+          </p:cNvSpPr>
+          <p:nvPr>
+            <p:ph type="body" idx="1"/>
+          </p:nvPr>
+        </p:nvSpPr>
+        <p:spPr/>
+        <p:txBody>
+          <a:bodyPr/>
+          <a:lstStyle/>
+          <a:p>
+            <a:pPr marL="0" marR="0" lvl="0" indent="0" algn="l" defTabSz="914400" rtl="0" eaLnBrk="1" fontAlgn="auto" latinLnBrk="0" hangingPunct="1">
+              <a:lnSpc>
+                <a:spcPct val="100000"/>
+              </a:lnSpc>
+              <a:spcBef>
+                <a:spcPts val="0"/>
+              </a:spcBef>
+              <a:spcAft>
+                <a:spcPts val="0"/>
+              </a:spcAft>
+              <a:buClrTx/>
+              <a:buSzTx/>
+              <a:buFontTx/>
+              <a:buNone/>
+              <a:tabLst/>
+              <a:defRPr/>
+            </a:pPr>
+            <a:r>
+              <a:rPr lang="en-BE" dirty="0"/>
+              <a:t>All the lines of this code will be executed, and hence we have 100% coverage</a:t>
+            </a:r>
+          </a:p>
+          <a:p>
+            <a:pPr marL="0" marR="0" lvl="0" indent="0" algn="l" defTabSz="914400" rtl="0" eaLnBrk="1" fontAlgn="auto" latinLnBrk="0" hangingPunct="1">
+              <a:lnSpc>
+                <a:spcPct val="100000"/>
+              </a:lnSpc>
+              <a:spcBef>
+                <a:spcPts val="0"/>
+              </a:spcBef>
+              <a:spcAft>
+                <a:spcPts val="0"/>
+              </a:spcAft>
+              <a:buClrTx/>
+              <a:buSzTx/>
+              <a:buFontTx/>
+              <a:buNone/>
+              <a:tabLst/>
+              <a:defRPr/>
+            </a:pPr>
+            <a:r>
+              <a:rPr lang="en-BE" dirty="0"/>
+              <a:t>If I change one of the </a:t>
+            </a:r>
+          </a:p>
+          <a:p>
+            <a:endParaRPr lang="en-BE" dirty="0"/>
+          </a:p>
+        </p:txBody>
+      </p:sp>
+      <p:sp>
+        <p:nvSpPr>
+          <p:cNvPr id="4" name="Slide Number Placeholder 3"/>
+          <p:cNvSpPr>
+            <a:spLocks noGrp="1"/>
+          </p:cNvSpPr>
+          <p:nvPr>
+            <p:ph type="sldNum" sz="quarter" idx="5"/>
+          </p:nvPr>
+        </p:nvSpPr>
+        <p:spPr/>
+        <p:txBody>
+          <a:bodyPr/>
+          <a:lstStyle/>
+          <a:p>
+            <a:fld id="{A042266E-4AE0-3346-930D-BC097FD258CE}" type="slidenum">
+              <a:rPr lang="en-BE" smtClean="0"/>
+              <a:t>26</a:t>
+            </a:fld>
+            <a:endParaRPr lang="en-BE"/>
+          </a:p>
+        </p:txBody>
+      </p:sp>
+    </p:spTree>
+    <p:extLst>
+      <p:ext uri="{BB962C8B-B14F-4D97-AF65-F5344CB8AC3E}">
+        <p14:creationId xmlns:p14="http://schemas.microsoft.com/office/powerpoint/2010/main" val="56491639"/>
+      </p:ext>
+    </p:extLst>
+  </p:cSld>
+  <p:clrMapOvr>
+    <a:masterClrMapping/>
+  </p:clrMapOvr>
+</p:notes>
+</file>
+
+<file path=ppt/notesSlides/notesSlide23.xml><?xml version="1.0" encoding="utf-8"?>
+<p:notes xmlns:a="http://schemas.openxmlformats.org/drawingml/2006/main" xmlns:r="http://schemas.openxmlformats.org/officeDocument/2006/relationships" xmlns:p="http://schemas.openxmlformats.org/presentationml/2006/main">
+  <p:cSld>
+    <p:spTree>
+      <p:nvGrpSpPr>
+        <p:cNvPr id="1" name=""/>
+        <p:cNvGrpSpPr/>
+        <p:nvPr/>
+      </p:nvGrpSpPr>
+      <p:grpSpPr>
+        <a:xfrm>
+          <a:off x="0" y="0"/>
+          <a:ext cx="0" cy="0"/>
+          <a:chOff x="0" y="0"/>
+          <a:chExt cx="0" cy="0"/>
+        </a:xfrm>
+      </p:grpSpPr>
+      <p:sp>
+        <p:nvSpPr>
+          <p:cNvPr id="2" name="Slide Image Placeholder 1"/>
+          <p:cNvSpPr>
+            <a:spLocks noGrp="1" noRot="1" noChangeAspect="1"/>
+          </p:cNvSpPr>
+          <p:nvPr>
+            <p:ph type="sldImg"/>
+          </p:nvPr>
+        </p:nvSpPr>
+        <p:spPr/>
+      </p:sp>
+      <p:sp>
+        <p:nvSpPr>
+          <p:cNvPr id="3" name="Notes Placeholder 2"/>
+          <p:cNvSpPr>
+            <a:spLocks noGrp="1"/>
+          </p:cNvSpPr>
+          <p:nvPr>
+            <p:ph type="body" idx="1"/>
+          </p:nvPr>
+        </p:nvSpPr>
+        <p:spPr/>
+        <p:txBody>
+          <a:bodyPr/>
+          <a:lstStyle/>
+          <a:p>
+            <a:r>
+              <a:rPr lang="en-BE" dirty="0"/>
+              <a:t>Branch every condition. Needs to cover all the conditions  coverage </a:t>
+            </a:r>
+          </a:p>
+          <a:p>
+            <a:r>
+              <a:rPr lang="en-GB" dirty="0"/>
+              <a:t>T</a:t>
+            </a:r>
+            <a:r>
+              <a:rPr lang="en-BE" dirty="0"/>
+              <a:t>he TC needs to it goes inside the if or inside the else.</a:t>
+            </a:r>
+          </a:p>
+          <a:p>
+            <a:r>
+              <a:rPr lang="en-BE" dirty="0"/>
+              <a:t>In this case, we only have the only if and no else. </a:t>
+            </a:r>
+            <a:r>
+              <a:rPr lang="en-GB" dirty="0"/>
+              <a:t>All the different states of the condition (true or false) need to be tested.</a:t>
+            </a:r>
+            <a:endParaRPr lang="en-BE" dirty="0"/>
+          </a:p>
+        </p:txBody>
+      </p:sp>
+      <p:sp>
+        <p:nvSpPr>
+          <p:cNvPr id="4" name="Slide Number Placeholder 3"/>
+          <p:cNvSpPr>
+            <a:spLocks noGrp="1"/>
+          </p:cNvSpPr>
+          <p:nvPr>
+            <p:ph type="sldNum" sz="quarter" idx="5"/>
+          </p:nvPr>
+        </p:nvSpPr>
+        <p:spPr/>
+        <p:txBody>
+          <a:bodyPr/>
+          <a:lstStyle/>
+          <a:p>
+            <a:fld id="{A042266E-4AE0-3346-930D-BC097FD258CE}" type="slidenum">
+              <a:rPr lang="en-BE" smtClean="0"/>
+              <a:t>27</a:t>
+            </a:fld>
+            <a:endParaRPr lang="en-BE"/>
+          </a:p>
+        </p:txBody>
+      </p:sp>
+    </p:spTree>
+    <p:extLst>
+      <p:ext uri="{BB962C8B-B14F-4D97-AF65-F5344CB8AC3E}">
+        <p14:creationId xmlns:p14="http://schemas.microsoft.com/office/powerpoint/2010/main" val="1621768022"/>
+      </p:ext>
+    </p:extLst>
+  </p:cSld>
+  <p:clrMapOvr>
+    <a:masterClrMapping/>
+  </p:clrMapOvr>
+</p:notes>
+</file>
+
+<file path=ppt/notesSlides/notesSlide24.xml><?xml version="1.0" encoding="utf-8"?>
+<p:notes xmlns:a="http://schemas.openxmlformats.org/drawingml/2006/main" xmlns:r="http://schemas.openxmlformats.org/officeDocument/2006/relationships" xmlns:p="http://schemas.openxmlformats.org/presentationml/2006/main">
+  <p:cSld>
+    <p:spTree>
+      <p:nvGrpSpPr>
+        <p:cNvPr id="1" name=""/>
+        <p:cNvGrpSpPr/>
+        <p:nvPr/>
+      </p:nvGrpSpPr>
+      <p:grpSpPr>
+        <a:xfrm>
+          <a:off x="0" y="0"/>
+          <a:ext cx="0" cy="0"/>
+          <a:chOff x="0" y="0"/>
+          <a:chExt cx="0" cy="0"/>
+        </a:xfrm>
+      </p:grpSpPr>
+      <p:sp>
+        <p:nvSpPr>
+          <p:cNvPr id="2" name="Slide Image Placeholder 1"/>
+          <p:cNvSpPr>
+            <a:spLocks noGrp="1" noRot="1" noChangeAspect="1"/>
+          </p:cNvSpPr>
+          <p:nvPr>
+            <p:ph type="sldImg"/>
+          </p:nvPr>
+        </p:nvSpPr>
+        <p:spPr/>
+      </p:sp>
+      <p:sp>
+        <p:nvSpPr>
+          <p:cNvPr id="3" name="Notes Placeholder 2"/>
+          <p:cNvSpPr>
+            <a:spLocks noGrp="1"/>
+          </p:cNvSpPr>
+          <p:nvPr>
+            <p:ph type="body" idx="1"/>
+          </p:nvPr>
+        </p:nvSpPr>
+        <p:spPr/>
+        <p:txBody>
+          <a:bodyPr/>
+          <a:lstStyle/>
+          <a:p>
+            <a:endParaRPr lang="en-BE" dirty="0"/>
+          </a:p>
+        </p:txBody>
+      </p:sp>
+      <p:sp>
+        <p:nvSpPr>
+          <p:cNvPr id="4" name="Slide Number Placeholder 3"/>
+          <p:cNvSpPr>
+            <a:spLocks noGrp="1"/>
+          </p:cNvSpPr>
+          <p:nvPr>
+            <p:ph type="sldNum" sz="quarter" idx="5"/>
+          </p:nvPr>
+        </p:nvSpPr>
+        <p:spPr/>
+        <p:txBody>
+          <a:bodyPr/>
+          <a:lstStyle/>
+          <a:p>
+            <a:fld id="{A042266E-4AE0-3346-930D-BC097FD258CE}" type="slidenum">
+              <a:rPr lang="en-BE" smtClean="0"/>
+              <a:t>28</a:t>
+            </a:fld>
+            <a:endParaRPr lang="en-BE"/>
+          </a:p>
+        </p:txBody>
+      </p:sp>
+    </p:spTree>
+    <p:extLst>
+      <p:ext uri="{BB962C8B-B14F-4D97-AF65-F5344CB8AC3E}">
+        <p14:creationId xmlns:p14="http://schemas.microsoft.com/office/powerpoint/2010/main" val="2646010200"/>
+      </p:ext>
+    </p:extLst>
+  </p:cSld>
+  <p:clrMapOvr>
+    <a:masterClrMapping/>
+  </p:clrMapOvr>
+</p:notes>
+</file>
+
+<file path=ppt/notesSlides/notesSlide25.xml><?xml version="1.0" encoding="utf-8"?>
+<p:notes xmlns:a="http://schemas.openxmlformats.org/drawingml/2006/main" xmlns:r="http://schemas.openxmlformats.org/officeDocument/2006/relationships" xmlns:p="http://schemas.openxmlformats.org/presentationml/2006/main">
+  <p:cSld>
+    <p:spTree>
+      <p:nvGrpSpPr>
+        <p:cNvPr id="1" name=""/>
+        <p:cNvGrpSpPr/>
+        <p:nvPr/>
+      </p:nvGrpSpPr>
+      <p:grpSpPr>
+        <a:xfrm>
+          <a:off x="0" y="0"/>
+          <a:ext cx="0" cy="0"/>
+          <a:chOff x="0" y="0"/>
+          <a:chExt cx="0" cy="0"/>
+        </a:xfrm>
+      </p:grpSpPr>
+      <p:sp>
+        <p:nvSpPr>
+          <p:cNvPr id="2" name="Slide Image Placeholder 1"/>
+          <p:cNvSpPr>
+            <a:spLocks noGrp="1" noRot="1" noChangeAspect="1"/>
+          </p:cNvSpPr>
+          <p:nvPr>
+            <p:ph type="sldImg"/>
+          </p:nvPr>
+        </p:nvSpPr>
+        <p:spPr/>
+      </p:sp>
+      <p:sp>
+        <p:nvSpPr>
+          <p:cNvPr id="3" name="Notes Placeholder 2"/>
+          <p:cNvSpPr>
+            <a:spLocks noGrp="1"/>
+          </p:cNvSpPr>
+          <p:nvPr>
+            <p:ph type="body" idx="1"/>
+          </p:nvPr>
+        </p:nvSpPr>
+        <p:spPr/>
+        <p:txBody>
+          <a:bodyPr/>
+          <a:lstStyle/>
+          <a:p>
+            <a:r>
+              <a:rPr lang="en-BE" dirty="0"/>
+              <a:t>As you can see, conditionals (and loops) make path coverage hard. We need to write a lot of tests</a:t>
+            </a:r>
+          </a:p>
+          <a:p>
+            <a:r>
+              <a:rPr lang="en-BE" dirty="0"/>
+              <a:t>We get an exponential number of paths on the number of conditionals tests. </a:t>
+            </a:r>
+          </a:p>
+          <a:p>
+            <a:r>
+              <a:rPr lang="en-BE" dirty="0"/>
+              <a:t>This is going to be very costly to test, but on the other hand, it could be that a bug is hidden in one of the paths</a:t>
+            </a:r>
+          </a:p>
+          <a:p>
+            <a:r>
+              <a:rPr lang="en-BE" dirty="0"/>
+              <a:t>We need path coverage to find certain bugs</a:t>
+            </a:r>
+          </a:p>
+        </p:txBody>
+      </p:sp>
+      <p:sp>
+        <p:nvSpPr>
+          <p:cNvPr id="4" name="Slide Number Placeholder 3"/>
+          <p:cNvSpPr>
+            <a:spLocks noGrp="1"/>
+          </p:cNvSpPr>
+          <p:nvPr>
+            <p:ph type="sldNum" sz="quarter" idx="5"/>
+          </p:nvPr>
+        </p:nvSpPr>
+        <p:spPr/>
+        <p:txBody>
+          <a:bodyPr/>
+          <a:lstStyle/>
+          <a:p>
+            <a:fld id="{A042266E-4AE0-3346-930D-BC097FD258CE}" type="slidenum">
+              <a:rPr lang="en-BE" smtClean="0"/>
+              <a:t>30</a:t>
+            </a:fld>
+            <a:endParaRPr lang="en-BE"/>
+          </a:p>
+        </p:txBody>
+      </p:sp>
+    </p:spTree>
+    <p:extLst>
+      <p:ext uri="{BB962C8B-B14F-4D97-AF65-F5344CB8AC3E}">
+        <p14:creationId xmlns:p14="http://schemas.microsoft.com/office/powerpoint/2010/main" val="1649500205"/>
       </p:ext>
     </p:extLst>
   </p:cSld>
@@ -7873,7 +8748,7 @@
         </p:nvSpPr>
         <p:spPr>
           <a:xfrm>
-            <a:off x="1603514" y="1683890"/>
+            <a:off x="1679202" y="1374981"/>
             <a:ext cx="8388625" cy="461665"/>
           </a:xfrm>
           <a:prstGeom prst="rect">
@@ -7902,41 +8777,6 @@
           </a:p>
         </p:txBody>
       </p:sp>
-      <p:pic>
-        <p:nvPicPr>
-          <p:cNvPr id="8" name="Picture 7" descr="Graphical user interface, text, application&#10;&#10;Description automatically generated">
-            <a:extLst>
-              <a:ext uri="{FF2B5EF4-FFF2-40B4-BE49-F238E27FC236}">
-                <a16:creationId xmlns:a16="http://schemas.microsoft.com/office/drawing/2014/main" id="{FEAC4399-710C-EB8F-66B9-6B63AA2B0375}"/>
-              </a:ext>
-            </a:extLst>
-          </p:cNvPr>
-          <p:cNvPicPr>
-            <a:picLocks noChangeAspect="1"/>
-          </p:cNvPicPr>
-          <p:nvPr/>
-        </p:nvPicPr>
-        <p:blipFill>
-          <a:blip r:embed="rId3"/>
-          <a:stretch>
-            <a:fillRect/>
-          </a:stretch>
-        </p:blipFill>
-        <p:spPr>
-          <a:xfrm>
-            <a:off x="1413841" y="2684116"/>
-            <a:ext cx="8919350" cy="3080579"/>
-          </a:xfrm>
-          <a:prstGeom prst="rect">
-            <a:avLst/>
-          </a:prstGeom>
-          <a:ln w="28575">
-            <a:solidFill>
-              <a:srgbClr val="C00000"/>
-            </a:solidFill>
-          </a:ln>
-        </p:spPr>
-      </p:pic>
       <p:sp>
         <p:nvSpPr>
           <p:cNvPr id="9" name="TextBox 8">
@@ -7980,6 +8820,87 @@
           </a:p>
         </p:txBody>
       </p:sp>
+      <p:pic>
+        <p:nvPicPr>
+          <p:cNvPr id="11" name="Google Shape;312;p19" descr="Text, letter&#10;&#10;Description automatically generated">
+            <a:extLst>
+              <a:ext uri="{FF2B5EF4-FFF2-40B4-BE49-F238E27FC236}">
+                <a16:creationId xmlns:a16="http://schemas.microsoft.com/office/drawing/2014/main" id="{70FBAEAD-CE8F-58AB-21A7-D50F1C5CE8E6}"/>
+              </a:ext>
+            </a:extLst>
+          </p:cNvPr>
+          <p:cNvPicPr preferRelativeResize="0"/>
+          <p:nvPr/>
+        </p:nvPicPr>
+        <p:blipFill rotWithShape="1">
+          <a:blip r:embed="rId3">
+            <a:alphaModFix/>
+          </a:blip>
+          <a:srcRect/>
+          <a:stretch/>
+        </p:blipFill>
+        <p:spPr>
+          <a:xfrm>
+            <a:off x="3028971" y="2123275"/>
+            <a:ext cx="4882577" cy="3787195"/>
+          </a:xfrm>
+          <a:prstGeom prst="rect">
+            <a:avLst/>
+          </a:prstGeom>
+          <a:noFill/>
+          <a:ln w="38100" cap="flat" cmpd="sng">
+            <a:solidFill>
+              <a:srgbClr val="166623"/>
+            </a:solidFill>
+            <a:prstDash val="solid"/>
+            <a:round/>
+            <a:headEnd type="none" w="sm" len="sm"/>
+            <a:tailEnd type="none" w="sm" len="sm"/>
+          </a:ln>
+        </p:spPr>
+      </p:pic>
+      <p:cxnSp>
+        <p:nvCxnSpPr>
+          <p:cNvPr id="16" name="Straight Arrow Connector 15">
+            <a:extLst>
+              <a:ext uri="{FF2B5EF4-FFF2-40B4-BE49-F238E27FC236}">
+                <a16:creationId xmlns:a16="http://schemas.microsoft.com/office/drawing/2014/main" id="{EE915B6C-9DE7-ECDE-F7C9-0B7E1BEFC860}"/>
+              </a:ext>
+            </a:extLst>
+          </p:cNvPr>
+          <p:cNvCxnSpPr/>
+          <p:nvPr/>
+        </p:nvCxnSpPr>
+        <p:spPr>
+          <a:xfrm flipH="1">
+            <a:off x="7580243" y="4346713"/>
+            <a:ext cx="914400" cy="424070"/>
+          </a:xfrm>
+          <a:prstGeom prst="straightConnector1">
+            <a:avLst/>
+          </a:prstGeom>
+          <a:ln w="76200">
+            <a:solidFill>
+              <a:srgbClr val="C00000"/>
+            </a:solidFill>
+            <a:tailEnd type="triangle"/>
+          </a:ln>
+        </p:spPr>
+        <p:style>
+          <a:lnRef idx="1">
+            <a:schemeClr val="accent1"/>
+          </a:lnRef>
+          <a:fillRef idx="0">
+            <a:schemeClr val="accent1"/>
+          </a:fillRef>
+          <a:effectRef idx="0">
+            <a:schemeClr val="accent1"/>
+          </a:effectRef>
+          <a:fontRef idx="minor">
+            <a:schemeClr val="tx1"/>
+          </a:fontRef>
+        </p:style>
+      </p:cxnSp>
     </p:spTree>
     <p:extLst>
       <p:ext uri="{BB962C8B-B14F-4D97-AF65-F5344CB8AC3E}">
@@ -7990,6 +8911,145 @@
   <p:clrMapOvr>
     <a:masterClrMapping/>
   </p:clrMapOvr>
+  <p:timing>
+    <p:tnLst>
+      <p:par>
+        <p:cTn id="1" dur="indefinite" restart="never" nodeType="tmRoot">
+          <p:childTnLst>
+            <p:seq concurrent="1" nextAc="seek">
+              <p:cTn id="2" dur="indefinite" nodeType="mainSeq">
+                <p:childTnLst>
+                  <p:par>
+                    <p:cTn id="3" fill="hold">
+                      <p:stCondLst>
+                        <p:cond delay="indefinite"/>
+                      </p:stCondLst>
+                      <p:childTnLst>
+                        <p:par>
+                          <p:cTn id="4" fill="hold">
+                            <p:stCondLst>
+                              <p:cond delay="0"/>
+                            </p:stCondLst>
+                            <p:childTnLst>
+                              <p:par>
+                                <p:cTn id="5" presetID="9" presetClass="entr" presetSubtype="0" fill="hold" grpId="0" nodeType="clickEffect">
+                                  <p:stCondLst>
+                                    <p:cond delay="0"/>
+                                  </p:stCondLst>
+                                  <p:childTnLst>
+                                    <p:set>
+                                      <p:cBhvr>
+                                        <p:cTn id="6" dur="1" fill="hold">
+                                          <p:stCondLst>
+                                            <p:cond delay="0"/>
+                                          </p:stCondLst>
+                                        </p:cTn>
+                                        <p:tgtEl>
+                                          <p:spTgt spid="9"/>
+                                        </p:tgtEl>
+                                        <p:attrNameLst>
+                                          <p:attrName>style.visibility</p:attrName>
+                                        </p:attrNameLst>
+                                      </p:cBhvr>
+                                      <p:to>
+                                        <p:strVal val="visible"/>
+                                      </p:to>
+                                    </p:set>
+                                    <p:animEffect transition="in" filter="dissolve">
+                                      <p:cBhvr>
+                                        <p:cTn id="7" dur="500"/>
+                                        <p:tgtEl>
+                                          <p:spTgt spid="9"/>
+                                        </p:tgtEl>
+                                      </p:cBhvr>
+                                    </p:animEffect>
+                                  </p:childTnLst>
+                                </p:cTn>
+                              </p:par>
+                            </p:childTnLst>
+                          </p:cTn>
+                        </p:par>
+                      </p:childTnLst>
+                    </p:cTn>
+                  </p:par>
+                  <p:par>
+                    <p:cTn id="8" fill="hold">
+                      <p:stCondLst>
+                        <p:cond delay="indefinite"/>
+                      </p:stCondLst>
+                      <p:childTnLst>
+                        <p:par>
+                          <p:cTn id="9" fill="hold">
+                            <p:stCondLst>
+                              <p:cond delay="0"/>
+                            </p:stCondLst>
+                            <p:childTnLst>
+                              <p:par>
+                                <p:cTn id="10" presetID="9" presetClass="entr" presetSubtype="0" fill="hold" nodeType="clickEffect">
+                                  <p:stCondLst>
+                                    <p:cond delay="0"/>
+                                  </p:stCondLst>
+                                  <p:childTnLst>
+                                    <p:set>
+                                      <p:cBhvr>
+                                        <p:cTn id="11" dur="1" fill="hold">
+                                          <p:stCondLst>
+                                            <p:cond delay="0"/>
+                                          </p:stCondLst>
+                                        </p:cTn>
+                                        <p:tgtEl>
+                                          <p:spTgt spid="16"/>
+                                        </p:tgtEl>
+                                        <p:attrNameLst>
+                                          <p:attrName>style.visibility</p:attrName>
+                                        </p:attrNameLst>
+                                      </p:cBhvr>
+                                      <p:to>
+                                        <p:strVal val="visible"/>
+                                      </p:to>
+                                    </p:set>
+                                    <p:animEffect transition="in" filter="dissolve">
+                                      <p:cBhvr>
+                                        <p:cTn id="12" dur="500"/>
+                                        <p:tgtEl>
+                                          <p:spTgt spid="16"/>
+                                        </p:tgtEl>
+                                      </p:cBhvr>
+                                    </p:animEffect>
+                                  </p:childTnLst>
+                                </p:cTn>
+                              </p:par>
+                            </p:childTnLst>
+                          </p:cTn>
+                        </p:par>
+                      </p:childTnLst>
+                    </p:cTn>
+                  </p:par>
+                </p:childTnLst>
+              </p:cTn>
+              <p:prevCondLst>
+                <p:cond evt="onPrev" delay="0">
+                  <p:tgtEl>
+                    <p:sldTgt/>
+                  </p:tgtEl>
+                </p:cond>
+              </p:prevCondLst>
+              <p:nextCondLst>
+                <p:cond evt="onNext" delay="0">
+                  <p:tgtEl>
+                    <p:sldTgt/>
+                  </p:tgtEl>
+                </p:cond>
+              </p:nextCondLst>
+            </p:seq>
+          </p:childTnLst>
+        </p:cTn>
+      </p:par>
+    </p:tnLst>
+    <p:bldLst>
+      <p:bldP spid="9" grpId="0" animBg="1"/>
+    </p:bldLst>
+  </p:timing>
 </p:sld>
 </file>
 
@@ -13246,7 +14306,7 @@
         </p:blipFill>
         <p:spPr bwMode="auto">
           <a:xfrm>
-            <a:off x="4294490" y="410818"/>
+            <a:off x="4055951" y="384314"/>
             <a:ext cx="3418275" cy="4876799"/>
           </a:xfrm>
           <a:prstGeom prst="rect">
@@ -13278,7 +14338,7 @@
         </p:nvSpPr>
         <p:spPr>
           <a:xfrm>
-            <a:off x="4518992" y="5738191"/>
+            <a:off x="4161185" y="5711687"/>
             <a:ext cx="3193774" cy="369332"/>
           </a:xfrm>
           <a:prstGeom prst="rect">
@@ -13331,10 +14391,1309 @@
       </p:grpSpPr>
       <p:sp>
         <p:nvSpPr>
+          <p:cNvPr id="6" name="Title 1">
+            <a:extLst>
+              <a:ext uri="{FF2B5EF4-FFF2-40B4-BE49-F238E27FC236}">
+                <a16:creationId xmlns:a16="http://schemas.microsoft.com/office/drawing/2014/main" id="{154571C7-91D3-4BC6-EDAE-FBD5CD09887E}"/>
+              </a:ext>
+            </a:extLst>
+          </p:cNvPr>
+          <p:cNvSpPr txBox="1">
+            <a:spLocks/>
+          </p:cNvSpPr>
+          <p:nvPr/>
+        </p:nvSpPr>
+        <p:spPr>
+          <a:xfrm>
+            <a:off x="311668" y="0"/>
+            <a:ext cx="11323740" cy="1325563"/>
+          </a:xfrm>
+          <a:prstGeom prst="rect">
+            <a:avLst/>
+          </a:prstGeom>
+        </p:spPr>
+        <p:txBody>
+          <a:bodyPr vert="horz" lIns="91440" tIns="45720" rIns="91440" bIns="45720" rtlCol="0" anchor="ctr">
+            <a:normAutofit/>
+          </a:bodyPr>
+          <a:lstStyle>
+            <a:lvl1pPr algn="l" defTabSz="914400" rtl="0" eaLnBrk="1" latinLnBrk="0" hangingPunct="1">
+              <a:lnSpc>
+                <a:spcPct val="90000"/>
+              </a:lnSpc>
+              <a:spcBef>
+                <a:spcPct val="0"/>
+              </a:spcBef>
+              <a:buNone/>
+              <a:defRPr sz="4400" kern="1200">
+                <a:solidFill>
+                  <a:schemeClr val="tx1"/>
+                </a:solidFill>
+                <a:latin typeface="+mj-lt"/>
+                <a:ea typeface="+mj-ea"/>
+                <a:cs typeface="+mj-cs"/>
+              </a:defRPr>
+            </a:lvl1pPr>
+          </a:lstStyle>
+          <a:p>
+            <a:r>
+              <a:rPr lang="en-GB" sz="2800" dirty="0">
+                <a:latin typeface="Helvetica" pitchFamily="2" charset="0"/>
+              </a:rPr>
+              <a:t>Rules for Good Unit Tests </a:t>
+            </a:r>
+            <a:r>
+              <a:rPr lang="en-GB" sz="2800" i="1" dirty="0">
+                <a:latin typeface="Helvetica" pitchFamily="2" charset="0"/>
+              </a:rPr>
+              <a:t>– </a:t>
+            </a:r>
+            <a:r>
+              <a:rPr lang="en-GB" sz="2800" dirty="0">
+                <a:solidFill>
+                  <a:srgbClr val="C00000"/>
+                </a:solidFill>
+                <a:latin typeface="Helvetica" pitchFamily="2" charset="0"/>
+              </a:rPr>
+              <a:t>Tests Input Data</a:t>
+            </a:r>
+          </a:p>
+        </p:txBody>
+      </p:sp>
+      <p:pic>
+        <p:nvPicPr>
+          <p:cNvPr id="17" name="Picture 16">
+            <a:extLst>
+              <a:ext uri="{FF2B5EF4-FFF2-40B4-BE49-F238E27FC236}">
+                <a16:creationId xmlns:a16="http://schemas.microsoft.com/office/drawing/2014/main" id="{F821227E-2326-A448-D13C-C64ABD1C0EC2}"/>
+              </a:ext>
+            </a:extLst>
+          </p:cNvPr>
+          <p:cNvPicPr>
+            <a:picLocks noChangeAspect="1"/>
+          </p:cNvPicPr>
+          <p:nvPr/>
+        </p:nvPicPr>
+        <p:blipFill>
+          <a:blip r:embed="rId3"/>
+          <a:stretch>
+            <a:fillRect/>
+          </a:stretch>
+        </p:blipFill>
+        <p:spPr>
+          <a:xfrm>
+            <a:off x="2512157" y="2337407"/>
+            <a:ext cx="5630431" cy="608165"/>
+          </a:xfrm>
+          <a:prstGeom prst="rect">
+            <a:avLst/>
+          </a:prstGeom>
+          <a:ln w="28575">
+            <a:solidFill>
+              <a:srgbClr val="134C13"/>
+            </a:solidFill>
+          </a:ln>
+        </p:spPr>
+      </p:pic>
+      <p:grpSp>
+        <p:nvGrpSpPr>
+          <p:cNvPr id="43" name="Group 42">
+            <a:extLst>
+              <a:ext uri="{FF2B5EF4-FFF2-40B4-BE49-F238E27FC236}">
+                <a16:creationId xmlns:a16="http://schemas.microsoft.com/office/drawing/2014/main" id="{F499022A-2A1F-2834-39B4-FE5A39924485}"/>
+              </a:ext>
+            </a:extLst>
+          </p:cNvPr>
+          <p:cNvGrpSpPr/>
+          <p:nvPr/>
+        </p:nvGrpSpPr>
+        <p:grpSpPr>
+          <a:xfrm>
+            <a:off x="1021956" y="3173947"/>
+            <a:ext cx="6088219" cy="1318955"/>
+            <a:chOff x="1021956" y="3173947"/>
+            <a:chExt cx="6088219" cy="1318955"/>
+          </a:xfrm>
+        </p:grpSpPr>
+        <p:pic>
+          <p:nvPicPr>
+            <p:cNvPr id="18" name="Picture 17">
+              <a:extLst>
+                <a:ext uri="{FF2B5EF4-FFF2-40B4-BE49-F238E27FC236}">
+                  <a16:creationId xmlns:a16="http://schemas.microsoft.com/office/drawing/2014/main" id="{3DFC5B10-2392-6E0A-DCAF-A38989FAD782}"/>
+                </a:ext>
+              </a:extLst>
+            </p:cNvPr>
+            <p:cNvPicPr>
+              <a:picLocks noChangeAspect="1"/>
+            </p:cNvPicPr>
+            <p:nvPr/>
+          </p:nvPicPr>
+          <p:blipFill>
+            <a:blip r:embed="rId4"/>
+            <a:stretch>
+              <a:fillRect/>
+            </a:stretch>
+          </p:blipFill>
+          <p:spPr>
+            <a:xfrm>
+              <a:off x="1021956" y="3531986"/>
+              <a:ext cx="6088219" cy="699578"/>
+            </a:xfrm>
+            <a:prstGeom prst="rect">
+              <a:avLst/>
+            </a:prstGeom>
+          </p:spPr>
+        </p:pic>
+        <p:grpSp>
+          <p:nvGrpSpPr>
+            <p:cNvPr id="24" name="Group 23">
+              <a:extLst>
+                <a:ext uri="{FF2B5EF4-FFF2-40B4-BE49-F238E27FC236}">
+                  <a16:creationId xmlns:a16="http://schemas.microsoft.com/office/drawing/2014/main" id="{6CAC8611-3807-D459-E758-91D1E30E48AE}"/>
+                </a:ext>
+              </a:extLst>
+            </p:cNvPr>
+            <p:cNvGrpSpPr/>
+            <p:nvPr/>
+          </p:nvGrpSpPr>
+          <p:grpSpPr>
+            <a:xfrm>
+              <a:off x="3527532" y="3173947"/>
+              <a:ext cx="969817" cy="1318955"/>
+              <a:chOff x="3527532" y="3704034"/>
+              <a:chExt cx="969817" cy="1318955"/>
+            </a:xfrm>
+          </p:grpSpPr>
+          <p:pic>
+            <p:nvPicPr>
+              <p:cNvPr id="20" name="Picture 4" descr="Swap - Free business icons">
+                <a:extLst>
+                  <a:ext uri="{FF2B5EF4-FFF2-40B4-BE49-F238E27FC236}">
+                    <a16:creationId xmlns:a16="http://schemas.microsoft.com/office/drawing/2014/main" id="{75D0E05B-B69D-39EC-4169-70F7D7B5A5F5}"/>
+                  </a:ext>
+                </a:extLst>
+              </p:cNvPr>
+              <p:cNvPicPr>
+                <a:picLocks noChangeAspect="1" noChangeArrowheads="1"/>
+              </p:cNvPicPr>
+              <p:nvPr/>
+            </p:nvPicPr>
+            <p:blipFill rotWithShape="1">
+              <a:blip r:embed="rId5">
+                <a:extLst>
+                  <a:ext uri="{28A0092B-C50C-407E-A947-70E740481C1C}">
+                    <a14:useLocalDpi xmlns:a14="http://schemas.microsoft.com/office/drawing/2010/main" val="0"/>
+                  </a:ext>
+                </a:extLst>
+              </a:blip>
+              <a:srcRect l="15009" r="15033" b="74568"/>
+              <a:stretch/>
+            </p:blipFill>
+            <p:spPr bwMode="auto">
+              <a:xfrm>
+                <a:off x="3587167" y="3704034"/>
+                <a:ext cx="910182" cy="330886"/>
+              </a:xfrm>
+              <a:prstGeom prst="rect">
+                <a:avLst/>
+              </a:prstGeom>
+              <a:noFill/>
+              <a:extLst>
+                <a:ext uri="{909E8E84-426E-40DD-AFC4-6F175D3DCCD1}">
+                  <a14:hiddenFill xmlns:a14="http://schemas.microsoft.com/office/drawing/2010/main">
+                    <a:solidFill>
+                      <a:srgbClr val="FFFFFF"/>
+                    </a:solidFill>
+                  </a14:hiddenFill>
+                </a:ext>
+              </a:extLst>
+            </p:spPr>
+          </p:pic>
+          <p:pic>
+            <p:nvPicPr>
+              <p:cNvPr id="21" name="Picture 4" descr="Swap - Free business icons">
+                <a:extLst>
+                  <a:ext uri="{FF2B5EF4-FFF2-40B4-BE49-F238E27FC236}">
+                    <a16:creationId xmlns:a16="http://schemas.microsoft.com/office/drawing/2014/main" id="{6581F6A6-774E-FC76-1F42-F751FF01753B}"/>
+                  </a:ext>
+                </a:extLst>
+              </p:cNvPr>
+              <p:cNvPicPr>
+                <a:picLocks noChangeAspect="1" noChangeArrowheads="1"/>
+              </p:cNvPicPr>
+              <p:nvPr/>
+            </p:nvPicPr>
+            <p:blipFill rotWithShape="1">
+              <a:blip r:embed="rId5">
+                <a:extLst>
+                  <a:ext uri="{28A0092B-C50C-407E-A947-70E740481C1C}">
+                    <a14:useLocalDpi xmlns:a14="http://schemas.microsoft.com/office/drawing/2010/main" val="0"/>
+                  </a:ext>
+                </a:extLst>
+              </a:blip>
+              <a:srcRect l="15009" r="15033" b="74568"/>
+              <a:stretch/>
+            </p:blipFill>
+            <p:spPr bwMode="auto">
+              <a:xfrm rot="10800000">
+                <a:off x="3527532" y="4692103"/>
+                <a:ext cx="910182" cy="330886"/>
+              </a:xfrm>
+              <a:prstGeom prst="rect">
+                <a:avLst/>
+              </a:prstGeom>
+              <a:noFill/>
+              <a:extLst>
+                <a:ext uri="{909E8E84-426E-40DD-AFC4-6F175D3DCCD1}">
+                  <a14:hiddenFill xmlns:a14="http://schemas.microsoft.com/office/drawing/2010/main">
+                    <a:solidFill>
+                      <a:srgbClr val="FFFFFF"/>
+                    </a:solidFill>
+                  </a14:hiddenFill>
+                </a:ext>
+              </a:extLst>
+            </p:spPr>
+          </p:pic>
+        </p:grpSp>
+      </p:grpSp>
+      <p:grpSp>
+        <p:nvGrpSpPr>
+          <p:cNvPr id="44" name="Group 43">
+            <a:extLst>
+              <a:ext uri="{FF2B5EF4-FFF2-40B4-BE49-F238E27FC236}">
+                <a16:creationId xmlns:a16="http://schemas.microsoft.com/office/drawing/2014/main" id="{471ABA7E-26FF-55C9-FDEF-1842C6A330C0}"/>
+              </a:ext>
+            </a:extLst>
+          </p:cNvPr>
+          <p:cNvGrpSpPr/>
+          <p:nvPr/>
+        </p:nvGrpSpPr>
+        <p:grpSpPr>
+          <a:xfrm>
+            <a:off x="7372340" y="3243495"/>
+            <a:ext cx="3797704" cy="1318955"/>
+            <a:chOff x="7372340" y="3243495"/>
+            <a:chExt cx="3797704" cy="1318955"/>
+          </a:xfrm>
+        </p:grpSpPr>
+        <p:pic>
+          <p:nvPicPr>
+            <p:cNvPr id="19" name="Picture 18" descr="Schematic&#10;&#10;Description automatically generated with low confidence">
+              <a:extLst>
+                <a:ext uri="{FF2B5EF4-FFF2-40B4-BE49-F238E27FC236}">
+                  <a16:creationId xmlns:a16="http://schemas.microsoft.com/office/drawing/2014/main" id="{9E6A3A37-BD9D-B2F9-92C0-B0B39B1A5913}"/>
+                </a:ext>
+              </a:extLst>
+            </p:cNvPr>
+            <p:cNvPicPr>
+              <a:picLocks noChangeAspect="1"/>
+            </p:cNvPicPr>
+            <p:nvPr/>
+          </p:nvPicPr>
+          <p:blipFill>
+            <a:blip r:embed="rId6"/>
+            <a:stretch>
+              <a:fillRect/>
+            </a:stretch>
+          </p:blipFill>
+          <p:spPr>
+            <a:xfrm>
+              <a:off x="7372340" y="3531987"/>
+              <a:ext cx="3797704" cy="699577"/>
+            </a:xfrm>
+            <a:prstGeom prst="rect">
+              <a:avLst/>
+            </a:prstGeom>
+          </p:spPr>
+        </p:pic>
+        <p:grpSp>
+          <p:nvGrpSpPr>
+            <p:cNvPr id="25" name="Group 24">
+              <a:extLst>
+                <a:ext uri="{FF2B5EF4-FFF2-40B4-BE49-F238E27FC236}">
+                  <a16:creationId xmlns:a16="http://schemas.microsoft.com/office/drawing/2014/main" id="{F5E3BF36-3677-993A-F424-352A4E883370}"/>
+                </a:ext>
+              </a:extLst>
+            </p:cNvPr>
+            <p:cNvGrpSpPr/>
+            <p:nvPr/>
+          </p:nvGrpSpPr>
+          <p:grpSpPr>
+            <a:xfrm>
+              <a:off x="8780447" y="3243495"/>
+              <a:ext cx="969817" cy="1318955"/>
+              <a:chOff x="8780447" y="3773582"/>
+              <a:chExt cx="969817" cy="1318955"/>
+            </a:xfrm>
+          </p:grpSpPr>
+          <p:pic>
+            <p:nvPicPr>
+              <p:cNvPr id="22" name="Picture 4" descr="Swap - Free business icons">
+                <a:extLst>
+                  <a:ext uri="{FF2B5EF4-FFF2-40B4-BE49-F238E27FC236}">
+                    <a16:creationId xmlns:a16="http://schemas.microsoft.com/office/drawing/2014/main" id="{0601E5EE-0D6E-1472-A311-7DF131F6EA07}"/>
+                  </a:ext>
+                </a:extLst>
+              </p:cNvPr>
+              <p:cNvPicPr>
+                <a:picLocks noChangeAspect="1" noChangeArrowheads="1"/>
+              </p:cNvPicPr>
+              <p:nvPr/>
+            </p:nvPicPr>
+            <p:blipFill rotWithShape="1">
+              <a:blip r:embed="rId5">
+                <a:extLst>
+                  <a:ext uri="{28A0092B-C50C-407E-A947-70E740481C1C}">
+                    <a14:useLocalDpi xmlns:a14="http://schemas.microsoft.com/office/drawing/2010/main" val="0"/>
+                  </a:ext>
+                </a:extLst>
+              </a:blip>
+              <a:srcRect l="15009" r="15033" b="74568"/>
+              <a:stretch/>
+            </p:blipFill>
+            <p:spPr bwMode="auto">
+              <a:xfrm>
+                <a:off x="8840082" y="3773582"/>
+                <a:ext cx="910182" cy="330886"/>
+              </a:xfrm>
+              <a:prstGeom prst="rect">
+                <a:avLst/>
+              </a:prstGeom>
+              <a:noFill/>
+              <a:extLst>
+                <a:ext uri="{909E8E84-426E-40DD-AFC4-6F175D3DCCD1}">
+                  <a14:hiddenFill xmlns:a14="http://schemas.microsoft.com/office/drawing/2010/main">
+                    <a:solidFill>
+                      <a:srgbClr val="FFFFFF"/>
+                    </a:solidFill>
+                  </a14:hiddenFill>
+                </a:ext>
+              </a:extLst>
+            </p:spPr>
+          </p:pic>
+          <p:pic>
+            <p:nvPicPr>
+              <p:cNvPr id="23" name="Picture 4" descr="Swap - Free business icons">
+                <a:extLst>
+                  <a:ext uri="{FF2B5EF4-FFF2-40B4-BE49-F238E27FC236}">
+                    <a16:creationId xmlns:a16="http://schemas.microsoft.com/office/drawing/2014/main" id="{9F315FDC-148E-F798-2CBF-228B47A63666}"/>
+                  </a:ext>
+                </a:extLst>
+              </p:cNvPr>
+              <p:cNvPicPr>
+                <a:picLocks noChangeAspect="1" noChangeArrowheads="1"/>
+              </p:cNvPicPr>
+              <p:nvPr/>
+            </p:nvPicPr>
+            <p:blipFill rotWithShape="1">
+              <a:blip r:embed="rId5">
+                <a:extLst>
+                  <a:ext uri="{28A0092B-C50C-407E-A947-70E740481C1C}">
+                    <a14:useLocalDpi xmlns:a14="http://schemas.microsoft.com/office/drawing/2010/main" val="0"/>
+                  </a:ext>
+                </a:extLst>
+              </a:blip>
+              <a:srcRect l="15009" r="15033" b="74568"/>
+              <a:stretch/>
+            </p:blipFill>
+            <p:spPr bwMode="auto">
+              <a:xfrm rot="10800000">
+                <a:off x="8780447" y="4761651"/>
+                <a:ext cx="910182" cy="330886"/>
+              </a:xfrm>
+              <a:prstGeom prst="rect">
+                <a:avLst/>
+              </a:prstGeom>
+              <a:noFill/>
+              <a:extLst>
+                <a:ext uri="{909E8E84-426E-40DD-AFC4-6F175D3DCCD1}">
+                  <a14:hiddenFill xmlns:a14="http://schemas.microsoft.com/office/drawing/2010/main">
+                    <a:solidFill>
+                      <a:srgbClr val="FFFFFF"/>
+                    </a:solidFill>
+                  </a14:hiddenFill>
+                </a:ext>
+              </a:extLst>
+            </p:spPr>
+          </p:pic>
+        </p:grpSp>
+      </p:grpSp>
+      <p:grpSp>
+        <p:nvGrpSpPr>
+          <p:cNvPr id="36" name="Group 35">
+            <a:extLst>
+              <a:ext uri="{FF2B5EF4-FFF2-40B4-BE49-F238E27FC236}">
+                <a16:creationId xmlns:a16="http://schemas.microsoft.com/office/drawing/2014/main" id="{B5F3A13E-DA65-5586-EC33-06B8E2AD1F04}"/>
+              </a:ext>
+            </a:extLst>
+          </p:cNvPr>
+          <p:cNvGrpSpPr/>
+          <p:nvPr/>
+        </p:nvGrpSpPr>
+        <p:grpSpPr>
+          <a:xfrm>
+            <a:off x="583266" y="4702986"/>
+            <a:ext cx="7209987" cy="2038017"/>
+            <a:chOff x="583266" y="4702986"/>
+            <a:chExt cx="7209987" cy="2038017"/>
+          </a:xfrm>
+        </p:grpSpPr>
+        <p:pic>
+          <p:nvPicPr>
+            <p:cNvPr id="27" name="Picture 26" descr="Diagram&#10;&#10;Description automatically generated">
+              <a:extLst>
+                <a:ext uri="{FF2B5EF4-FFF2-40B4-BE49-F238E27FC236}">
+                  <a16:creationId xmlns:a16="http://schemas.microsoft.com/office/drawing/2014/main" id="{A8DD579A-047B-A871-4D7F-CA9B786E1C84}"/>
+                </a:ext>
+              </a:extLst>
+            </p:cNvPr>
+            <p:cNvPicPr>
+              <a:picLocks noChangeAspect="1"/>
+            </p:cNvPicPr>
+            <p:nvPr/>
+          </p:nvPicPr>
+          <p:blipFill>
+            <a:blip r:embed="rId7"/>
+            <a:stretch>
+              <a:fillRect/>
+            </a:stretch>
+          </p:blipFill>
+          <p:spPr>
+            <a:xfrm>
+              <a:off x="583266" y="4702986"/>
+              <a:ext cx="7209987" cy="1853351"/>
+            </a:xfrm>
+            <a:prstGeom prst="rect">
+              <a:avLst/>
+            </a:prstGeom>
+          </p:spPr>
+        </p:pic>
+        <p:sp>
+          <p:nvSpPr>
+            <p:cNvPr id="30" name="TextBox 29">
+              <a:extLst>
+                <a:ext uri="{FF2B5EF4-FFF2-40B4-BE49-F238E27FC236}">
+                  <a16:creationId xmlns:a16="http://schemas.microsoft.com/office/drawing/2014/main" id="{E1D018C1-9A7D-07E5-C1E9-41FB7CB6E9AA}"/>
+                </a:ext>
+              </a:extLst>
+            </p:cNvPr>
+            <p:cNvSpPr txBox="1"/>
+            <p:nvPr/>
+          </p:nvSpPr>
+          <p:spPr>
+            <a:xfrm>
+              <a:off x="994258" y="6371671"/>
+              <a:ext cx="6096000" cy="369332"/>
+            </a:xfrm>
+            <a:prstGeom prst="rect">
+              <a:avLst/>
+            </a:prstGeom>
+            <a:noFill/>
+          </p:spPr>
+          <p:txBody>
+            <a:bodyPr wrap="square">
+              <a:spAutoFit/>
+            </a:bodyPr>
+            <a:lstStyle/>
+            <a:p>
+              <a:r>
+                <a:rPr lang="en-BE" dirty="0"/>
+                <a:t>The input parameters derived from a boundary value analysis</a:t>
+              </a:r>
+            </a:p>
+          </p:txBody>
+        </p:sp>
+      </p:grpSp>
+      <p:pic>
+        <p:nvPicPr>
+          <p:cNvPr id="31" name="Picture 4" descr="Definition of a test case – Bartek Rohard Warszawski">
+            <a:extLst>
+              <a:ext uri="{FF2B5EF4-FFF2-40B4-BE49-F238E27FC236}">
+                <a16:creationId xmlns:a16="http://schemas.microsoft.com/office/drawing/2014/main" id="{88873B56-8EF9-37A7-B181-7D3FA9947243}"/>
+              </a:ext>
+            </a:extLst>
+          </p:cNvPr>
+          <p:cNvPicPr>
+            <a:picLocks noChangeAspect="1" noChangeArrowheads="1"/>
+          </p:cNvPicPr>
+          <p:nvPr/>
+        </p:nvPicPr>
+        <p:blipFill>
+          <a:blip r:embed="rId8">
+            <a:extLst>
+              <a:ext uri="{28A0092B-C50C-407E-A947-70E740481C1C}">
+                <a14:useLocalDpi xmlns:a14="http://schemas.microsoft.com/office/drawing/2010/main" val="0"/>
+              </a:ext>
+            </a:extLst>
+          </a:blip>
+          <a:srcRect/>
+          <a:stretch>
+            <a:fillRect/>
+          </a:stretch>
+        </p:blipFill>
+        <p:spPr bwMode="auto">
+          <a:xfrm rot="20660404">
+            <a:off x="10617946" y="5118852"/>
+            <a:ext cx="1386353" cy="1581391"/>
+          </a:xfrm>
+          <a:prstGeom prst="rect">
+            <a:avLst/>
+          </a:prstGeom>
+          <a:noFill/>
+          <a:extLst>
+            <a:ext uri="{909E8E84-426E-40DD-AFC4-6F175D3DCCD1}">
+              <a14:hiddenFill xmlns:a14="http://schemas.microsoft.com/office/drawing/2010/main">
+                <a:solidFill>
+                  <a:srgbClr val="FFFFFF"/>
+                </a:solidFill>
+              </a14:hiddenFill>
+            </a:ext>
+          </a:extLst>
+        </p:spPr>
+      </p:pic>
+      <p:pic>
+        <p:nvPicPr>
+          <p:cNvPr id="32" name="Picture 8" descr="hand drawn Growing bar graph icon in black on a white background. doodle  style Vector illustration 4473584 Vector Art at Vecteezy">
+            <a:extLst>
+              <a:ext uri="{FF2B5EF4-FFF2-40B4-BE49-F238E27FC236}">
+                <a16:creationId xmlns:a16="http://schemas.microsoft.com/office/drawing/2014/main" id="{9AD8C65E-9260-9A6C-0C1D-B16178690266}"/>
+              </a:ext>
+            </a:extLst>
+          </p:cNvPr>
+          <p:cNvPicPr>
+            <a:picLocks noChangeAspect="1" noChangeArrowheads="1"/>
+          </p:cNvPicPr>
+          <p:nvPr/>
+        </p:nvPicPr>
+        <p:blipFill rotWithShape="1">
+          <a:blip r:embed="rId9">
+            <a:extLst>
+              <a:ext uri="{28A0092B-C50C-407E-A947-70E740481C1C}">
+                <a14:useLocalDpi xmlns:a14="http://schemas.microsoft.com/office/drawing/2010/main" val="0"/>
+              </a:ext>
+            </a:extLst>
+          </a:blip>
+          <a:srcRect l="23720" t="22807" r="20049" b="22807"/>
+          <a:stretch/>
+        </p:blipFill>
+        <p:spPr bwMode="auto">
+          <a:xfrm>
+            <a:off x="9290168" y="5184336"/>
+            <a:ext cx="1431234" cy="1384253"/>
+          </a:xfrm>
+          <a:prstGeom prst="rect">
+            <a:avLst/>
+          </a:prstGeom>
+          <a:noFill/>
+          <a:extLst>
+            <a:ext uri="{909E8E84-426E-40DD-AFC4-6F175D3DCCD1}">
+              <a14:hiddenFill xmlns:a14="http://schemas.microsoft.com/office/drawing/2010/main">
+                <a:solidFill>
+                  <a:srgbClr val="FFFFFF"/>
+                </a:solidFill>
+              </a14:hiddenFill>
+            </a:ext>
+          </a:extLst>
+        </p:spPr>
+      </p:pic>
+      <p:sp>
+        <p:nvSpPr>
+          <p:cNvPr id="33" name="TextBox 32">
+            <a:extLst>
+              <a:ext uri="{FF2B5EF4-FFF2-40B4-BE49-F238E27FC236}">
+                <a16:creationId xmlns:a16="http://schemas.microsoft.com/office/drawing/2014/main" id="{8D6901D0-68E3-4B4A-C37D-6E2D1CB48CD8}"/>
+              </a:ext>
+            </a:extLst>
+          </p:cNvPr>
+          <p:cNvSpPr txBox="1"/>
+          <p:nvPr/>
+        </p:nvSpPr>
+        <p:spPr>
+          <a:xfrm>
+            <a:off x="9647976" y="4756983"/>
+            <a:ext cx="2332383" cy="400110"/>
+          </a:xfrm>
+          <a:prstGeom prst="rect">
+            <a:avLst/>
+          </a:prstGeom>
+          <a:noFill/>
+        </p:spPr>
+        <p:txBody>
+          <a:bodyPr wrap="square" rtlCol="0">
+            <a:spAutoFit/>
+          </a:bodyPr>
+          <a:lstStyle/>
+          <a:p>
+            <a:r>
+              <a:rPr lang="en-BE" sz="2000" dirty="0"/>
+              <a:t>High Test Coverage</a:t>
+            </a:r>
+          </a:p>
+        </p:txBody>
+      </p:sp>
+      <p:grpSp>
+        <p:nvGrpSpPr>
+          <p:cNvPr id="35" name="Group 34">
+            <a:extLst>
+              <a:ext uri="{FF2B5EF4-FFF2-40B4-BE49-F238E27FC236}">
+                <a16:creationId xmlns:a16="http://schemas.microsoft.com/office/drawing/2014/main" id="{5B818DC6-F132-6B23-ED71-5E20D0C0BB94}"/>
+              </a:ext>
+            </a:extLst>
+          </p:cNvPr>
+          <p:cNvGrpSpPr/>
+          <p:nvPr/>
+        </p:nvGrpSpPr>
+        <p:grpSpPr>
+          <a:xfrm>
+            <a:off x="7966547" y="5488324"/>
+            <a:ext cx="1013688" cy="1068013"/>
+            <a:chOff x="8064839" y="5303658"/>
+            <a:chExt cx="1013688" cy="1068013"/>
+          </a:xfrm>
+        </p:grpSpPr>
+        <p:pic>
+          <p:nvPicPr>
+            <p:cNvPr id="15366" name="Picture 6" descr="Easy To Use icon PNG and SVG Vector Free Download">
+              <a:extLst>
+                <a:ext uri="{FF2B5EF4-FFF2-40B4-BE49-F238E27FC236}">
+                  <a16:creationId xmlns:a16="http://schemas.microsoft.com/office/drawing/2014/main" id="{EE69120F-4F04-5070-7C25-3667A2D88774}"/>
+                </a:ext>
+              </a:extLst>
+            </p:cNvPr>
+            <p:cNvPicPr>
+              <a:picLocks noChangeAspect="1" noChangeArrowheads="1"/>
+            </p:cNvPicPr>
+            <p:nvPr/>
+          </p:nvPicPr>
+          <p:blipFill>
+            <a:blip r:embed="rId10">
+              <a:extLst>
+                <a:ext uri="{28A0092B-C50C-407E-A947-70E740481C1C}">
+                  <a14:useLocalDpi xmlns:a14="http://schemas.microsoft.com/office/drawing/2010/main" val="0"/>
+                </a:ext>
+              </a:extLst>
+            </a:blip>
+            <a:srcRect/>
+            <a:stretch>
+              <a:fillRect/>
+            </a:stretch>
+          </p:blipFill>
+          <p:spPr bwMode="auto">
+            <a:xfrm>
+              <a:off x="8337799" y="5303658"/>
+              <a:ext cx="595936" cy="699577"/>
+            </a:xfrm>
+            <a:prstGeom prst="rect">
+              <a:avLst/>
+            </a:prstGeom>
+            <a:noFill/>
+            <a:extLst>
+              <a:ext uri="{909E8E84-426E-40DD-AFC4-6F175D3DCCD1}">
+                <a14:hiddenFill xmlns:a14="http://schemas.microsoft.com/office/drawing/2010/main">
+                  <a:solidFill>
+                    <a:srgbClr val="FFFFFF"/>
+                  </a:solidFill>
+                </a14:hiddenFill>
+              </a:ext>
+            </a:extLst>
+          </p:spPr>
+        </p:pic>
+        <p:sp>
+          <p:nvSpPr>
+            <p:cNvPr id="34" name="Right Arrow 33">
+              <a:extLst>
+                <a:ext uri="{FF2B5EF4-FFF2-40B4-BE49-F238E27FC236}">
+                  <a16:creationId xmlns:a16="http://schemas.microsoft.com/office/drawing/2014/main" id="{40D22491-790A-8FDA-3985-47340DAC074A}"/>
+                </a:ext>
+              </a:extLst>
+            </p:cNvPr>
+            <p:cNvSpPr/>
+            <p:nvPr/>
+          </p:nvSpPr>
+          <p:spPr>
+            <a:xfrm>
+              <a:off x="8064839" y="6003235"/>
+              <a:ext cx="1013688" cy="368436"/>
+            </a:xfrm>
+            <a:prstGeom prst="rightArrow">
+              <a:avLst/>
+            </a:prstGeom>
+            <a:noFill/>
+            <a:ln w="57150">
+              <a:solidFill>
+                <a:schemeClr val="tx1"/>
+              </a:solidFill>
+            </a:ln>
+          </p:spPr>
+          <p:style>
+            <a:lnRef idx="2">
+              <a:schemeClr val="accent1">
+                <a:shade val="50000"/>
+              </a:schemeClr>
+            </a:lnRef>
+            <a:fillRef idx="1">
+              <a:schemeClr val="accent1"/>
+            </a:fillRef>
+            <a:effectRef idx="0">
+              <a:schemeClr val="accent1"/>
+            </a:effectRef>
+            <a:fontRef idx="minor">
+              <a:schemeClr val="lt1"/>
+            </a:fontRef>
+          </p:style>
+          <p:txBody>
+            <a:bodyPr rtlCol="0" anchor="ctr"/>
+            <a:lstStyle/>
+            <a:p>
+              <a:pPr algn="ctr"/>
+              <a:endParaRPr lang="en-BE"/>
+            </a:p>
+          </p:txBody>
+        </p:sp>
+      </p:grpSp>
+      <p:grpSp>
+        <p:nvGrpSpPr>
+          <p:cNvPr id="38" name="Group 37">
+            <a:extLst>
+              <a:ext uri="{FF2B5EF4-FFF2-40B4-BE49-F238E27FC236}">
+                <a16:creationId xmlns:a16="http://schemas.microsoft.com/office/drawing/2014/main" id="{1CA37CC2-6F6F-FC6E-2D23-FBD066E74E3C}"/>
+              </a:ext>
+            </a:extLst>
+          </p:cNvPr>
+          <p:cNvGrpSpPr/>
+          <p:nvPr/>
+        </p:nvGrpSpPr>
+        <p:grpSpPr>
+          <a:xfrm>
+            <a:off x="4066065" y="1108936"/>
+            <a:ext cx="3224483" cy="1171154"/>
+            <a:chOff x="7701539" y="5521963"/>
+            <a:chExt cx="3224483" cy="1171154"/>
+          </a:xfrm>
+        </p:grpSpPr>
+        <p:pic>
+          <p:nvPicPr>
+            <p:cNvPr id="39" name="Picture 26" descr="Guide To 5 Test Case Design Techniques With Examples - Lotus QA - Leading  IT Outsourcing Company In Vietnam">
+              <a:extLst>
+                <a:ext uri="{FF2B5EF4-FFF2-40B4-BE49-F238E27FC236}">
+                  <a16:creationId xmlns:a16="http://schemas.microsoft.com/office/drawing/2014/main" id="{FDDED8F7-3315-19D6-2FC1-8E46080AA170}"/>
+                </a:ext>
+              </a:extLst>
+            </p:cNvPr>
+            <p:cNvPicPr>
+              <a:picLocks noChangeAspect="1" noChangeArrowheads="1"/>
+            </p:cNvPicPr>
+            <p:nvPr/>
+          </p:nvPicPr>
+          <p:blipFill rotWithShape="1">
+            <a:blip r:embed="rId11">
+              <a:extLst>
+                <a:ext uri="{28A0092B-C50C-407E-A947-70E740481C1C}">
+                  <a14:useLocalDpi xmlns:a14="http://schemas.microsoft.com/office/drawing/2010/main" val="0"/>
+                </a:ext>
+              </a:extLst>
+            </a:blip>
+            <a:srcRect l="14341" t="1" r="12460" b="2453"/>
+            <a:stretch/>
+          </p:blipFill>
+          <p:spPr bwMode="auto">
+            <a:xfrm>
+              <a:off x="7701539" y="5712776"/>
+              <a:ext cx="3224483" cy="980341"/>
+            </a:xfrm>
+            <a:prstGeom prst="rect">
+              <a:avLst/>
+            </a:prstGeom>
+            <a:noFill/>
+            <a:extLst>
+              <a:ext uri="{909E8E84-426E-40DD-AFC4-6F175D3DCCD1}">
+                <a14:hiddenFill xmlns:a14="http://schemas.microsoft.com/office/drawing/2010/main">
+                  <a:solidFill>
+                    <a:srgbClr val="FFFFFF"/>
+                  </a:solidFill>
+                </a14:hiddenFill>
+              </a:ext>
+            </a:extLst>
+          </p:spPr>
+        </p:pic>
+        <p:sp>
+          <p:nvSpPr>
+            <p:cNvPr id="41" name="TextBox 40">
+              <a:extLst>
+                <a:ext uri="{FF2B5EF4-FFF2-40B4-BE49-F238E27FC236}">
+                  <a16:creationId xmlns:a16="http://schemas.microsoft.com/office/drawing/2014/main" id="{7545B39C-18EC-B136-566E-B33691ECCEAB}"/>
+                </a:ext>
+              </a:extLst>
+            </p:cNvPr>
+            <p:cNvSpPr txBox="1"/>
+            <p:nvPr/>
+          </p:nvSpPr>
+          <p:spPr>
+            <a:xfrm>
+              <a:off x="8256104" y="5521963"/>
+              <a:ext cx="2014331" cy="307777"/>
+            </a:xfrm>
+            <a:prstGeom prst="rect">
+              <a:avLst/>
+            </a:prstGeom>
+            <a:noFill/>
+          </p:spPr>
+          <p:txBody>
+            <a:bodyPr wrap="square" rtlCol="0">
+              <a:spAutoFit/>
+            </a:bodyPr>
+            <a:lstStyle/>
+            <a:p>
+              <a:r>
+                <a:rPr lang="en-BE" sz="1400" dirty="0"/>
+                <a:t>Boundary Value Analysis</a:t>
+              </a:r>
+            </a:p>
+          </p:txBody>
+        </p:sp>
+      </p:grpSp>
+      <p:grpSp>
+        <p:nvGrpSpPr>
+          <p:cNvPr id="57" name="Group 56">
+            <a:extLst>
+              <a:ext uri="{FF2B5EF4-FFF2-40B4-BE49-F238E27FC236}">
+                <a16:creationId xmlns:a16="http://schemas.microsoft.com/office/drawing/2014/main" id="{AB1B62E2-1ED1-59A4-A908-4C9C37C40ED9}"/>
+              </a:ext>
+            </a:extLst>
+          </p:cNvPr>
+          <p:cNvGrpSpPr/>
+          <p:nvPr/>
+        </p:nvGrpSpPr>
+        <p:grpSpPr>
+          <a:xfrm>
+            <a:off x="10048991" y="2244108"/>
+            <a:ext cx="1586417" cy="1287877"/>
+            <a:chOff x="10048991" y="2244108"/>
+            <a:chExt cx="1586417" cy="1287877"/>
+          </a:xfrm>
+        </p:grpSpPr>
+        <p:sp>
+          <p:nvSpPr>
+            <p:cNvPr id="45" name="TextBox 44">
+              <a:extLst>
+                <a:ext uri="{FF2B5EF4-FFF2-40B4-BE49-F238E27FC236}">
+                  <a16:creationId xmlns:a16="http://schemas.microsoft.com/office/drawing/2014/main" id="{1A961859-EEDC-E193-4AEE-106149F5B49E}"/>
+                </a:ext>
+              </a:extLst>
+            </p:cNvPr>
+            <p:cNvSpPr txBox="1"/>
+            <p:nvPr/>
+          </p:nvSpPr>
+          <p:spPr>
+            <a:xfrm>
+              <a:off x="10048991" y="2244108"/>
+              <a:ext cx="1586417" cy="369332"/>
+            </a:xfrm>
+            <a:prstGeom prst="rect">
+              <a:avLst/>
+            </a:prstGeom>
+            <a:noFill/>
+            <a:ln w="38100">
+              <a:solidFill>
+                <a:srgbClr val="C00000"/>
+              </a:solidFill>
+            </a:ln>
+          </p:spPr>
+          <p:txBody>
+            <a:bodyPr wrap="square" rtlCol="0">
+              <a:spAutoFit/>
+            </a:bodyPr>
+            <a:lstStyle/>
+            <a:p>
+              <a:r>
+                <a:rPr lang="en-GB" dirty="0"/>
+                <a:t>E</a:t>
+              </a:r>
+              <a:r>
+                <a:rPr lang="en-BE" dirty="0"/>
+                <a:t>xtreme value</a:t>
+              </a:r>
+            </a:p>
+          </p:txBody>
+        </p:sp>
+        <p:cxnSp>
+          <p:nvCxnSpPr>
+            <p:cNvPr id="49" name="Straight Arrow Connector 48">
+              <a:extLst>
+                <a:ext uri="{FF2B5EF4-FFF2-40B4-BE49-F238E27FC236}">
+                  <a16:creationId xmlns:a16="http://schemas.microsoft.com/office/drawing/2014/main" id="{2FF626B9-5D1A-E1FD-C078-F95E79E6CD18}"/>
+                </a:ext>
+              </a:extLst>
+            </p:cNvPr>
+            <p:cNvCxnSpPr>
+              <a:cxnSpLocks/>
+              <a:stCxn id="45" idx="2"/>
+            </p:cNvCxnSpPr>
+            <p:nvPr/>
+          </p:nvCxnSpPr>
+          <p:spPr>
+            <a:xfrm>
+              <a:off x="10842200" y="2613440"/>
+              <a:ext cx="170357" cy="918545"/>
+            </a:xfrm>
+            <a:prstGeom prst="straightConnector1">
+              <a:avLst/>
+            </a:prstGeom>
+            <a:ln w="57150">
+              <a:solidFill>
+                <a:srgbClr val="C00000"/>
+              </a:solidFill>
+              <a:tailEnd type="triangle"/>
+            </a:ln>
+          </p:spPr>
+          <p:style>
+            <a:lnRef idx="1">
+              <a:schemeClr val="accent1"/>
+            </a:lnRef>
+            <a:fillRef idx="0">
+              <a:schemeClr val="accent1"/>
+            </a:fillRef>
+            <a:effectRef idx="0">
+              <a:schemeClr val="accent1"/>
+            </a:effectRef>
+            <a:fontRef idx="minor">
+              <a:schemeClr val="tx1"/>
+            </a:fontRef>
+          </p:style>
+        </p:cxnSp>
+      </p:grpSp>
+    </p:spTree>
+    <p:extLst>
+      <p:ext uri="{BB962C8B-B14F-4D97-AF65-F5344CB8AC3E}">
+        <p14:creationId xmlns:p14="http://schemas.microsoft.com/office/powerpoint/2010/main" val="4026577543"/>
+      </p:ext>
+    </p:extLst>
+  </p:cSld>
+  <p:clrMapOvr>
+    <a:masterClrMapping/>
+  </p:clrMapOvr>
+  <p:timing>
+    <p:tnLst>
+      <p:par>
+        <p:cTn id="1" dur="indefinite" restart="never" nodeType="tmRoot">
+          <p:childTnLst>
+            <p:seq concurrent="1" nextAc="seek">
+              <p:cTn id="2" dur="indefinite" nodeType="mainSeq">
+                <p:childTnLst>
+                  <p:par>
+                    <p:cTn id="3" fill="hold">
+                      <p:stCondLst>
+                        <p:cond delay="indefinite"/>
+                      </p:stCondLst>
+                      <p:childTnLst>
+                        <p:par>
+                          <p:cTn id="4" fill="hold">
+                            <p:stCondLst>
+                              <p:cond delay="0"/>
+                            </p:stCondLst>
+                            <p:childTnLst>
+                              <p:par>
+                                <p:cTn id="5" presetID="9" presetClass="entr" presetSubtype="0" fill="hold" nodeType="clickEffect">
+                                  <p:stCondLst>
+                                    <p:cond delay="0"/>
+                                  </p:stCondLst>
+                                  <p:childTnLst>
+                                    <p:set>
+                                      <p:cBhvr>
+                                        <p:cTn id="6" dur="1" fill="hold">
+                                          <p:stCondLst>
+                                            <p:cond delay="0"/>
+                                          </p:stCondLst>
+                                        </p:cTn>
+                                        <p:tgtEl>
+                                          <p:spTgt spid="17"/>
+                                        </p:tgtEl>
+                                        <p:attrNameLst>
+                                          <p:attrName>style.visibility</p:attrName>
+                                        </p:attrNameLst>
+                                      </p:cBhvr>
+                                      <p:to>
+                                        <p:strVal val="visible"/>
+                                      </p:to>
+                                    </p:set>
+                                    <p:animEffect transition="in" filter="dissolve">
+                                      <p:cBhvr>
+                                        <p:cTn id="7" dur="500"/>
+                                        <p:tgtEl>
+                                          <p:spTgt spid="17"/>
+                                        </p:tgtEl>
+                                      </p:cBhvr>
+                                    </p:animEffect>
+                                  </p:childTnLst>
+                                </p:cTn>
+                              </p:par>
+                            </p:childTnLst>
+                          </p:cTn>
+                        </p:par>
+                      </p:childTnLst>
+                    </p:cTn>
+                  </p:par>
+                  <p:par>
+                    <p:cTn id="8" fill="hold">
+                      <p:stCondLst>
+                        <p:cond delay="indefinite"/>
+                      </p:stCondLst>
+                      <p:childTnLst>
+                        <p:par>
+                          <p:cTn id="9" fill="hold">
+                            <p:stCondLst>
+                              <p:cond delay="0"/>
+                            </p:stCondLst>
+                            <p:childTnLst>
+                              <p:par>
+                                <p:cTn id="10" presetID="9" presetClass="entr" presetSubtype="0" fill="hold" nodeType="clickEffect">
+                                  <p:stCondLst>
+                                    <p:cond delay="0"/>
+                                  </p:stCondLst>
+                                  <p:childTnLst>
+                                    <p:set>
+                                      <p:cBhvr>
+                                        <p:cTn id="11" dur="1" fill="hold">
+                                          <p:stCondLst>
+                                            <p:cond delay="0"/>
+                                          </p:stCondLst>
+                                        </p:cTn>
+                                        <p:tgtEl>
+                                          <p:spTgt spid="43"/>
+                                        </p:tgtEl>
+                                        <p:attrNameLst>
+                                          <p:attrName>style.visibility</p:attrName>
+                                        </p:attrNameLst>
+                                      </p:cBhvr>
+                                      <p:to>
+                                        <p:strVal val="visible"/>
+                                      </p:to>
+                                    </p:set>
+                                    <p:animEffect transition="in" filter="dissolve">
+                                      <p:cBhvr>
+                                        <p:cTn id="12" dur="500"/>
+                                        <p:tgtEl>
+                                          <p:spTgt spid="43"/>
+                                        </p:tgtEl>
+                                      </p:cBhvr>
+                                    </p:animEffect>
+                                  </p:childTnLst>
+                                </p:cTn>
+                              </p:par>
+                            </p:childTnLst>
+                          </p:cTn>
+                        </p:par>
+                      </p:childTnLst>
+                    </p:cTn>
+                  </p:par>
+                  <p:par>
+                    <p:cTn id="13" fill="hold">
+                      <p:stCondLst>
+                        <p:cond delay="indefinite"/>
+                      </p:stCondLst>
+                      <p:childTnLst>
+                        <p:par>
+                          <p:cTn id="14" fill="hold">
+                            <p:stCondLst>
+                              <p:cond delay="0"/>
+                            </p:stCondLst>
+                            <p:childTnLst>
+                              <p:par>
+                                <p:cTn id="15" presetID="9" presetClass="entr" presetSubtype="0" fill="hold" nodeType="clickEffect">
+                                  <p:stCondLst>
+                                    <p:cond delay="0"/>
+                                  </p:stCondLst>
+                                  <p:childTnLst>
+                                    <p:set>
+                                      <p:cBhvr>
+                                        <p:cTn id="16" dur="1" fill="hold">
+                                          <p:stCondLst>
+                                            <p:cond delay="0"/>
+                                          </p:stCondLst>
+                                        </p:cTn>
+                                        <p:tgtEl>
+                                          <p:spTgt spid="44"/>
+                                        </p:tgtEl>
+                                        <p:attrNameLst>
+                                          <p:attrName>style.visibility</p:attrName>
+                                        </p:attrNameLst>
+                                      </p:cBhvr>
+                                      <p:to>
+                                        <p:strVal val="visible"/>
+                                      </p:to>
+                                    </p:set>
+                                    <p:animEffect transition="in" filter="dissolve">
+                                      <p:cBhvr>
+                                        <p:cTn id="17" dur="500"/>
+                                        <p:tgtEl>
+                                          <p:spTgt spid="44"/>
+                                        </p:tgtEl>
+                                      </p:cBhvr>
+                                    </p:animEffect>
+                                  </p:childTnLst>
+                                </p:cTn>
+                              </p:par>
+                            </p:childTnLst>
+                          </p:cTn>
+                        </p:par>
+                      </p:childTnLst>
+                    </p:cTn>
+                  </p:par>
+                  <p:par>
+                    <p:cTn id="18" fill="hold">
+                      <p:stCondLst>
+                        <p:cond delay="indefinite"/>
+                      </p:stCondLst>
+                      <p:childTnLst>
+                        <p:par>
+                          <p:cTn id="19" fill="hold">
+                            <p:stCondLst>
+                              <p:cond delay="0"/>
+                            </p:stCondLst>
+                            <p:childTnLst>
+                              <p:par>
+                                <p:cTn id="20" presetID="9" presetClass="entr" presetSubtype="0" fill="hold" nodeType="clickEffect">
+                                  <p:stCondLst>
+                                    <p:cond delay="0"/>
+                                  </p:stCondLst>
+                                  <p:childTnLst>
+                                    <p:set>
+                                      <p:cBhvr>
+                                        <p:cTn id="21" dur="1" fill="hold">
+                                          <p:stCondLst>
+                                            <p:cond delay="0"/>
+                                          </p:stCondLst>
+                                        </p:cTn>
+                                        <p:tgtEl>
+                                          <p:spTgt spid="57"/>
+                                        </p:tgtEl>
+                                        <p:attrNameLst>
+                                          <p:attrName>style.visibility</p:attrName>
+                                        </p:attrNameLst>
+                                      </p:cBhvr>
+                                      <p:to>
+                                        <p:strVal val="visible"/>
+                                      </p:to>
+                                    </p:set>
+                                    <p:animEffect transition="in" filter="dissolve">
+                                      <p:cBhvr>
+                                        <p:cTn id="22" dur="500"/>
+                                        <p:tgtEl>
+                                          <p:spTgt spid="57"/>
+                                        </p:tgtEl>
+                                      </p:cBhvr>
+                                    </p:animEffect>
+                                  </p:childTnLst>
+                                </p:cTn>
+                              </p:par>
+                            </p:childTnLst>
+                          </p:cTn>
+                        </p:par>
+                      </p:childTnLst>
+                    </p:cTn>
+                  </p:par>
+                  <p:par>
+                    <p:cTn id="23" fill="hold">
+                      <p:stCondLst>
+                        <p:cond delay="indefinite"/>
+                      </p:stCondLst>
+                      <p:childTnLst>
+                        <p:par>
+                          <p:cTn id="24" fill="hold">
+                            <p:stCondLst>
+                              <p:cond delay="0"/>
+                            </p:stCondLst>
+                            <p:childTnLst>
+                              <p:par>
+                                <p:cTn id="25" presetID="9" presetClass="entr" presetSubtype="0" fill="hold" nodeType="clickEffect">
+                                  <p:stCondLst>
+                                    <p:cond delay="0"/>
+                                  </p:stCondLst>
+                                  <p:childTnLst>
+                                    <p:set>
+                                      <p:cBhvr>
+                                        <p:cTn id="26" dur="1" fill="hold">
+                                          <p:stCondLst>
+                                            <p:cond delay="0"/>
+                                          </p:stCondLst>
+                                        </p:cTn>
+                                        <p:tgtEl>
+                                          <p:spTgt spid="36"/>
+                                        </p:tgtEl>
+                                        <p:attrNameLst>
+                                          <p:attrName>style.visibility</p:attrName>
+                                        </p:attrNameLst>
+                                      </p:cBhvr>
+                                      <p:to>
+                                        <p:strVal val="visible"/>
+                                      </p:to>
+                                    </p:set>
+                                    <p:animEffect transition="in" filter="dissolve">
+                                      <p:cBhvr>
+                                        <p:cTn id="27" dur="500"/>
+                                        <p:tgtEl>
+                                          <p:spTgt spid="36"/>
+                                        </p:tgtEl>
+                                      </p:cBhvr>
+                                    </p:animEffect>
+                                  </p:childTnLst>
+                                </p:cTn>
+                              </p:par>
+                            </p:childTnLst>
+                          </p:cTn>
+                        </p:par>
+                      </p:childTnLst>
+                    </p:cTn>
+                  </p:par>
+                </p:childTnLst>
+              </p:cTn>
+              <p:prevCondLst>
+                <p:cond evt="onPrev" delay="0">
+                  <p:tgtEl>
+                    <p:sldTgt/>
+                  </p:tgtEl>
+                </p:cond>
+              </p:prevCondLst>
+              <p:nextCondLst>
+                <p:cond evt="onNext" delay="0">
+                  <p:tgtEl>
+                    <p:sldTgt/>
+                  </p:tgtEl>
+                </p:cond>
+              </p:nextCondLst>
+            </p:seq>
+          </p:childTnLst>
+        </p:cTn>
+      </p:par>
+    </p:tnLst>
+  </p:timing>
+</p:sld>
+</file>
+
+<file path=ppt/slides/slide21.xml><?xml version="1.0" encoding="utf-8"?>
+<p:sld xmlns:a="http://schemas.openxmlformats.org/drawingml/2006/main" xmlns:r="http://schemas.openxmlformats.org/officeDocument/2006/relationships" xmlns:p="http://schemas.openxmlformats.org/presentationml/2006/main">
+  <p:cSld>
+    <p:spTree>
+      <p:nvGrpSpPr>
+        <p:cNvPr id="1" name=""/>
+        <p:cNvGrpSpPr/>
+        <p:nvPr/>
+      </p:nvGrpSpPr>
+      <p:grpSpPr>
+        <a:xfrm>
+          <a:off x="0" y="0"/>
+          <a:ext cx="0" cy="0"/>
+          <a:chOff x="0" y="0"/>
+          <a:chExt cx="0" cy="0"/>
+        </a:xfrm>
+      </p:grpSpPr>
+      <p:sp>
+        <p:nvSpPr>
           <p:cNvPr id="2" name="Title 1">
             <a:extLst>
               <a:ext uri="{FF2B5EF4-FFF2-40B4-BE49-F238E27FC236}">
-                <a16:creationId xmlns:a16="http://schemas.microsoft.com/office/drawing/2014/main" id="{B4ECB9B8-CD12-8D40-AF2E-65B439318FBA}"/>
+                <a16:creationId xmlns:a16="http://schemas.microsoft.com/office/drawing/2014/main" id="{4F4FC6C2-BC66-F3C3-5F0C-5DC5B1DFC7EB}"/>
               </a:ext>
             </a:extLst>
           </p:cNvPr>
@@ -13350,7 +15709,11 @@
           <a:bodyPr/>
           <a:lstStyle/>
           <a:p>
-            <a:endParaRPr lang="en-BE"/>
+            <a:r>
+              <a:rPr lang="en-GB" dirty="0"/>
+              <a:t>Quality of a Test Suite</a:t>
+            </a:r>
+            <a:endParaRPr lang="en-BE" dirty="0"/>
           </a:p>
         </p:txBody>
       </p:sp>
@@ -13359,7 +15722,7 @@
           <p:cNvPr id="3" name="Content Placeholder 2">
             <a:extLst>
               <a:ext uri="{FF2B5EF4-FFF2-40B4-BE49-F238E27FC236}">
-                <a16:creationId xmlns:a16="http://schemas.microsoft.com/office/drawing/2014/main" id="{FFBB2AFC-E923-9294-76FE-C55574013F45}"/>
+                <a16:creationId xmlns:a16="http://schemas.microsoft.com/office/drawing/2014/main" id="{3E383776-2658-8837-799F-07B0F5A0360F}"/>
               </a:ext>
             </a:extLst>
           </p:cNvPr>
@@ -13375,14 +15738,1896 @@
           <a:bodyPr/>
           <a:lstStyle/>
           <a:p>
-            <a:endParaRPr lang="en-BE"/>
+            <a:r>
+              <a:rPr lang="en-GB" dirty="0"/>
+              <a:t>How do you know if your unit test cases are good enough? </a:t>
+            </a:r>
+          </a:p>
+          <a:p>
+            <a:r>
+              <a:rPr lang="en-GB" dirty="0"/>
+              <a:t>Are they really testing the application? </a:t>
+            </a:r>
+          </a:p>
+          <a:p>
+            <a:r>
+              <a:rPr lang="en-GB" dirty="0"/>
+              <a:t>When do we stop testing?</a:t>
+            </a:r>
+          </a:p>
+          <a:p>
+            <a:endParaRPr lang="en-GB" dirty="0"/>
+          </a:p>
+          <a:p>
+            <a:pPr marL="0" indent="0">
+              <a:buNone/>
+            </a:pPr>
+            <a:r>
+              <a:rPr lang="en-GB" b="1" dirty="0"/>
+              <a:t>Solution</a:t>
+            </a:r>
+            <a:r>
+              <a:rPr lang="en-GB" dirty="0"/>
+              <a:t>: Test Coverage!</a:t>
+            </a:r>
+            <a:endParaRPr lang="en-BE" dirty="0"/>
           </a:p>
         </p:txBody>
       </p:sp>
     </p:spTree>
     <p:extLst>
       <p:ext uri="{BB962C8B-B14F-4D97-AF65-F5344CB8AC3E}">
-        <p14:creationId xmlns:p14="http://schemas.microsoft.com/office/powerpoint/2010/main" val="1317312517"/>
+        <p14:creationId xmlns:p14="http://schemas.microsoft.com/office/powerpoint/2010/main" val="3692308886"/>
+      </p:ext>
+    </p:extLst>
+  </p:cSld>
+  <p:clrMapOvr>
+    <a:masterClrMapping/>
+  </p:clrMapOvr>
+  <p:timing>
+    <p:tnLst>
+      <p:par>
+        <p:cTn id="1" dur="indefinite" restart="never" nodeType="tmRoot">
+          <p:childTnLst>
+            <p:seq concurrent="1" nextAc="seek">
+              <p:cTn id="2" dur="indefinite" nodeType="mainSeq">
+                <p:childTnLst>
+                  <p:par>
+                    <p:cTn id="3" fill="hold">
+                      <p:stCondLst>
+                        <p:cond delay="indefinite"/>
+                      </p:stCondLst>
+                      <p:childTnLst>
+                        <p:par>
+                          <p:cTn id="4" fill="hold">
+                            <p:stCondLst>
+                              <p:cond delay="0"/>
+                            </p:stCondLst>
+                            <p:childTnLst>
+                              <p:par>
+                                <p:cTn id="5" presetID="9" presetClass="entr" presetSubtype="0" fill="hold" nodeType="clickEffect">
+                                  <p:stCondLst>
+                                    <p:cond delay="0"/>
+                                  </p:stCondLst>
+                                  <p:childTnLst>
+                                    <p:set>
+                                      <p:cBhvr>
+                                        <p:cTn id="6" dur="1" fill="hold">
+                                          <p:stCondLst>
+                                            <p:cond delay="0"/>
+                                          </p:stCondLst>
+                                        </p:cTn>
+                                        <p:tgtEl>
+                                          <p:spTgt spid="3">
+                                            <p:txEl>
+                                              <p:pRg st="4" end="4"/>
+                                            </p:txEl>
+                                          </p:spTgt>
+                                        </p:tgtEl>
+                                        <p:attrNameLst>
+                                          <p:attrName>style.visibility</p:attrName>
+                                        </p:attrNameLst>
+                                      </p:cBhvr>
+                                      <p:to>
+                                        <p:strVal val="visible"/>
+                                      </p:to>
+                                    </p:set>
+                                    <p:animEffect transition="in" filter="dissolve">
+                                      <p:cBhvr>
+                                        <p:cTn id="7" dur="500"/>
+                                        <p:tgtEl>
+                                          <p:spTgt spid="3">
+                                            <p:txEl>
+                                              <p:pRg st="4" end="4"/>
+                                            </p:txEl>
+                                          </p:spTgt>
+                                        </p:tgtEl>
+                                      </p:cBhvr>
+                                    </p:animEffect>
+                                  </p:childTnLst>
+                                </p:cTn>
+                              </p:par>
+                            </p:childTnLst>
+                          </p:cTn>
+                        </p:par>
+                      </p:childTnLst>
+                    </p:cTn>
+                  </p:par>
+                </p:childTnLst>
+              </p:cTn>
+              <p:prevCondLst>
+                <p:cond evt="onPrev" delay="0">
+                  <p:tgtEl>
+                    <p:sldTgt/>
+                  </p:tgtEl>
+                </p:cond>
+              </p:prevCondLst>
+              <p:nextCondLst>
+                <p:cond evt="onNext" delay="0">
+                  <p:tgtEl>
+                    <p:sldTgt/>
+                  </p:tgtEl>
+                </p:cond>
+              </p:nextCondLst>
+            </p:seq>
+          </p:childTnLst>
+        </p:cTn>
+      </p:par>
+    </p:tnLst>
+  </p:timing>
+</p:sld>
+</file>
+
+<file path=ppt/slides/slide22.xml><?xml version="1.0" encoding="utf-8"?>
+<p:sld xmlns:a="http://schemas.openxmlformats.org/drawingml/2006/main" xmlns:r="http://schemas.openxmlformats.org/officeDocument/2006/relationships" xmlns:p="http://schemas.openxmlformats.org/presentationml/2006/main">
+  <p:cSld>
+    <p:spTree>
+      <p:nvGrpSpPr>
+        <p:cNvPr id="1" name=""/>
+        <p:cNvGrpSpPr/>
+        <p:nvPr/>
+      </p:nvGrpSpPr>
+      <p:grpSpPr>
+        <a:xfrm>
+          <a:off x="0" y="0"/>
+          <a:ext cx="0" cy="0"/>
+          <a:chOff x="0" y="0"/>
+          <a:chExt cx="0" cy="0"/>
+        </a:xfrm>
+      </p:grpSpPr>
+      <p:sp>
+        <p:nvSpPr>
+          <p:cNvPr id="2" name="Title 1">
+            <a:extLst>
+              <a:ext uri="{FF2B5EF4-FFF2-40B4-BE49-F238E27FC236}">
+                <a16:creationId xmlns:a16="http://schemas.microsoft.com/office/drawing/2014/main" id="{2F2F94B8-3011-C8C4-162A-9502576C158D}"/>
+              </a:ext>
+            </a:extLst>
+          </p:cNvPr>
+          <p:cNvSpPr>
+            <a:spLocks noGrp="1"/>
+          </p:cNvSpPr>
+          <p:nvPr>
+            <p:ph type="title"/>
+          </p:nvPr>
+        </p:nvSpPr>
+        <p:spPr/>
+        <p:txBody>
+          <a:bodyPr/>
+          <a:lstStyle/>
+          <a:p>
+            <a:r>
+              <a:rPr lang="en-GB" b="1" dirty="0"/>
+              <a:t>Test Coverage</a:t>
+            </a:r>
+            <a:endParaRPr lang="en-BE" b="1" dirty="0"/>
+          </a:p>
+        </p:txBody>
+      </p:sp>
+      <mc:AlternateContent xmlns:mc="http://schemas.openxmlformats.org/markup-compatibility/2006" xmlns:a14="http://schemas.microsoft.com/office/drawing/2010/main">
+        <mc:Choice Requires="a14">
+          <p:sp>
+            <p:nvSpPr>
+              <p:cNvPr id="3" name="Content Placeholder 2">
+                <a:extLst>
+                  <a:ext uri="{FF2B5EF4-FFF2-40B4-BE49-F238E27FC236}">
+                    <a16:creationId xmlns:a16="http://schemas.microsoft.com/office/drawing/2014/main" id="{217075A9-D8CC-A5A6-5A20-A4D50BA8DEF5}"/>
+                  </a:ext>
+                </a:extLst>
+              </p:cNvPr>
+              <p:cNvSpPr>
+                <a:spLocks noGrp="1"/>
+              </p:cNvSpPr>
+              <p:nvPr>
+                <p:ph idx="1"/>
+              </p:nvPr>
+            </p:nvSpPr>
+            <p:spPr/>
+            <p:txBody>
+              <a:bodyPr/>
+              <a:lstStyle/>
+              <a:p>
+                <a:pPr marL="0" indent="0">
+                  <a:buNone/>
+                </a:pPr>
+                <a:r>
+                  <a:rPr lang="en-BE" sz="3200" dirty="0"/>
+                  <a:t>Coverage = </a:t>
+                </a:r>
+                <a14:m>
+                  <m:oMath xmlns:m="http://schemas.openxmlformats.org/officeDocument/2006/math">
+                    <m:f>
+                      <m:fPr>
+                        <m:ctrlPr>
+                          <a:rPr lang="en-BE" sz="3200" i="1" smtClean="0">
+                            <a:latin typeface="Cambria Math" panose="02040503050406030204" pitchFamily="18" charset="0"/>
+                          </a:rPr>
+                        </m:ctrlPr>
+                      </m:fPr>
+                      <m:num>
+                        <m:r>
+                          <a:rPr lang="en-US" sz="3200" b="0" i="1" smtClean="0">
+                            <a:latin typeface="Cambria Math" panose="02040503050406030204" pitchFamily="18" charset="0"/>
+                          </a:rPr>
+                          <m:t>𝑁𝑢𝑚𝑏𝑒𝑟</m:t>
+                        </m:r>
+                        <m:r>
+                          <a:rPr lang="en-US" sz="3200" b="0" i="1" smtClean="0">
+                            <a:latin typeface="Cambria Math" panose="02040503050406030204" pitchFamily="18" charset="0"/>
+                          </a:rPr>
+                          <m:t> </m:t>
+                        </m:r>
+                        <m:r>
+                          <a:rPr lang="en-US" sz="3200" b="0" i="1" smtClean="0">
+                            <a:latin typeface="Cambria Math" panose="02040503050406030204" pitchFamily="18" charset="0"/>
+                          </a:rPr>
+                          <m:t>𝑜𝑓</m:t>
+                        </m:r>
+                        <m:r>
+                          <a:rPr lang="en-US" sz="3200" b="0" i="1" smtClean="0">
+                            <a:latin typeface="Cambria Math" panose="02040503050406030204" pitchFamily="18" charset="0"/>
+                          </a:rPr>
+                          <m:t> </m:t>
+                        </m:r>
+                        <m:r>
+                          <a:rPr lang="en-US" sz="3200" b="0" i="1" smtClean="0">
+                            <a:latin typeface="Cambria Math" panose="02040503050406030204" pitchFamily="18" charset="0"/>
+                          </a:rPr>
+                          <m:t>𝐶𝑜𝑣𝑒𝑟𝑒𝑑</m:t>
+                        </m:r>
+                        <m:r>
+                          <a:rPr lang="en-US" sz="3200" b="0" i="1" smtClean="0">
+                            <a:latin typeface="Cambria Math" panose="02040503050406030204" pitchFamily="18" charset="0"/>
+                          </a:rPr>
+                          <m:t> </m:t>
+                        </m:r>
+                        <m:r>
+                          <a:rPr lang="en-US" sz="3200" b="0" i="1" smtClean="0">
+                            <a:latin typeface="Cambria Math" panose="02040503050406030204" pitchFamily="18" charset="0"/>
+                          </a:rPr>
+                          <m:t>𝐼𝑡𝑒𝑚𝑠</m:t>
+                        </m:r>
+                      </m:num>
+                      <m:den>
+                        <m:r>
+                          <a:rPr lang="en-US" sz="3200" b="0" i="1" smtClean="0">
+                            <a:latin typeface="Cambria Math" panose="02040503050406030204" pitchFamily="18" charset="0"/>
+                          </a:rPr>
+                          <m:t>𝑇𝑜𝑡𝑎𝑙</m:t>
+                        </m:r>
+                        <m:r>
+                          <a:rPr lang="en-US" sz="3200" b="0" i="1" smtClean="0">
+                            <a:latin typeface="Cambria Math" panose="02040503050406030204" pitchFamily="18" charset="0"/>
+                          </a:rPr>
+                          <m:t> </m:t>
+                        </m:r>
+                        <m:r>
+                          <a:rPr lang="en-US" sz="3200" b="0" i="1" smtClean="0">
+                            <a:latin typeface="Cambria Math" panose="02040503050406030204" pitchFamily="18" charset="0"/>
+                          </a:rPr>
+                          <m:t>𝑛𝑢𝑚𝑏𝑒𝑟</m:t>
+                        </m:r>
+                        <m:r>
+                          <a:rPr lang="en-US" sz="3200" b="0" i="1" smtClean="0">
+                            <a:latin typeface="Cambria Math" panose="02040503050406030204" pitchFamily="18" charset="0"/>
+                          </a:rPr>
+                          <m:t> </m:t>
+                        </m:r>
+                        <m:r>
+                          <a:rPr lang="en-US" sz="3200" b="0" i="1" smtClean="0">
+                            <a:latin typeface="Cambria Math" panose="02040503050406030204" pitchFamily="18" charset="0"/>
+                          </a:rPr>
+                          <m:t>𝑜𝑓</m:t>
+                        </m:r>
+                        <m:r>
+                          <a:rPr lang="en-US" sz="3200" b="0" i="1" smtClean="0">
+                            <a:latin typeface="Cambria Math" panose="02040503050406030204" pitchFamily="18" charset="0"/>
+                          </a:rPr>
+                          <m:t> </m:t>
+                        </m:r>
+                        <m:r>
+                          <a:rPr lang="en-US" sz="3200" b="0" i="1" smtClean="0">
+                            <a:latin typeface="Cambria Math" panose="02040503050406030204" pitchFamily="18" charset="0"/>
+                          </a:rPr>
+                          <m:t>𝑖𝑡𝑒𝑚𝑠</m:t>
+                        </m:r>
+                      </m:den>
+                    </m:f>
+                  </m:oMath>
+                </a14:m>
+                <a:r>
+                  <a:rPr lang="en-BE" sz="3200" dirty="0"/>
+                  <a:t> X 100%</a:t>
+                </a:r>
+              </a:p>
+              <a:p>
+                <a:pPr marL="0" indent="0">
+                  <a:buNone/>
+                </a:pPr>
+                <a:endParaRPr lang="en-BE" sz="3200" dirty="0"/>
+              </a:p>
+              <a:p>
+                <a:r>
+                  <a:rPr lang="en-BE" sz="3200" dirty="0"/>
+                  <a:t>Examples:</a:t>
+                </a:r>
+              </a:p>
+              <a:p>
+                <a:pPr lvl="1"/>
+                <a:r>
+                  <a:rPr lang="en-BE" sz="2800" dirty="0"/>
+                  <a:t>Statement (Line, or Code) Coverage.</a:t>
+                </a:r>
+              </a:p>
+              <a:p>
+                <a:pPr lvl="1"/>
+                <a:r>
+                  <a:rPr lang="en-BE" sz="2800" dirty="0"/>
+                  <a:t>Branch (Condition) Coverage</a:t>
+                </a:r>
+              </a:p>
+              <a:p>
+                <a:pPr lvl="1"/>
+                <a:r>
+                  <a:rPr lang="en-BE" sz="2800" dirty="0"/>
+                  <a:t>Path Caverage</a:t>
+                </a:r>
+              </a:p>
+              <a:p>
+                <a:pPr lvl="1"/>
+                <a:r>
+                  <a:rPr lang="en-BE" sz="2800" dirty="0"/>
+                  <a:t>Mutation Caverage</a:t>
+                </a:r>
+              </a:p>
+            </p:txBody>
+          </p:sp>
+        </mc:Choice>
+        <mc:Fallback xmlns="">
+          <p:sp>
+            <p:nvSpPr>
+              <p:cNvPr id="3" name="Content Placeholder 2">
+                <a:extLst>
+                  <a:ext uri="{FF2B5EF4-FFF2-40B4-BE49-F238E27FC236}">
+                    <a16:creationId xmlns:a16="http://schemas.microsoft.com/office/drawing/2014/main" id="{217075A9-D8CC-A5A6-5A20-A4D50BA8DEF5}"/>
+                  </a:ext>
+                </a:extLst>
+              </p:cNvPr>
+              <p:cNvSpPr>
+                <a:spLocks noGrp="1" noRot="1" noChangeAspect="1" noMove="1" noResize="1" noEditPoints="1" noAdjustHandles="1" noChangeArrowheads="1" noChangeShapeType="1" noTextEdit="1"/>
+              </p:cNvSpPr>
+              <p:nvPr>
+                <p:ph idx="1"/>
+              </p:nvPr>
+            </p:nvSpPr>
+            <p:spPr>
+              <a:blipFill>
+                <a:blip r:embed="rId2"/>
+                <a:stretch>
+                  <a:fillRect l="-1568" t="-1163"/>
+                </a:stretch>
+              </a:blipFill>
+            </p:spPr>
+            <p:txBody>
+              <a:bodyPr/>
+              <a:lstStyle/>
+              <a:p>
+                <a:r>
+                  <a:rPr lang="en-BE">
+                    <a:noFill/>
+                  </a:rPr>
+                  <a:t> </a:t>
+                </a:r>
+              </a:p>
+            </p:txBody>
+          </p:sp>
+        </mc:Fallback>
+      </mc:AlternateContent>
+    </p:spTree>
+    <p:extLst>
+      <p:ext uri="{BB962C8B-B14F-4D97-AF65-F5344CB8AC3E}">
+        <p14:creationId xmlns:p14="http://schemas.microsoft.com/office/powerpoint/2010/main" val="4227808231"/>
+      </p:ext>
+    </p:extLst>
+  </p:cSld>
+  <p:clrMapOvr>
+    <a:masterClrMapping/>
+  </p:clrMapOvr>
+</p:sld>
+</file>
+
+<file path=ppt/slides/slide23.xml><?xml version="1.0" encoding="utf-8"?>
+<p:sld xmlns:a="http://schemas.openxmlformats.org/drawingml/2006/main" xmlns:r="http://schemas.openxmlformats.org/officeDocument/2006/relationships" xmlns:p="http://schemas.openxmlformats.org/presentationml/2006/main">
+  <p:cSld>
+    <p:spTree>
+      <p:nvGrpSpPr>
+        <p:cNvPr id="1" name=""/>
+        <p:cNvGrpSpPr/>
+        <p:nvPr/>
+      </p:nvGrpSpPr>
+      <p:grpSpPr>
+        <a:xfrm>
+          <a:off x="0" y="0"/>
+          <a:ext cx="0" cy="0"/>
+          <a:chOff x="0" y="0"/>
+          <a:chExt cx="0" cy="0"/>
+        </a:xfrm>
+      </p:grpSpPr>
+      <p:sp>
+        <p:nvSpPr>
+          <p:cNvPr id="2" name="Title 1">
+            <a:extLst>
+              <a:ext uri="{FF2B5EF4-FFF2-40B4-BE49-F238E27FC236}">
+                <a16:creationId xmlns:a16="http://schemas.microsoft.com/office/drawing/2014/main" id="{ADFE725F-C180-D8A9-E02A-486EE1AA9228}"/>
+              </a:ext>
+            </a:extLst>
+          </p:cNvPr>
+          <p:cNvSpPr>
+            <a:spLocks noGrp="1"/>
+          </p:cNvSpPr>
+          <p:nvPr>
+            <p:ph type="title"/>
+          </p:nvPr>
+        </p:nvSpPr>
+        <p:spPr/>
+        <p:txBody>
+          <a:bodyPr/>
+          <a:lstStyle/>
+          <a:p>
+            <a:r>
+              <a:rPr lang="en-GB" dirty="0"/>
+              <a:t>Example: a function to test</a:t>
+            </a:r>
+            <a:endParaRPr lang="en-BE" dirty="0"/>
+          </a:p>
+        </p:txBody>
+      </p:sp>
+      <p:pic>
+        <p:nvPicPr>
+          <p:cNvPr id="13" name="Picture 12" descr="Graphical user interface, text&#10;&#10;Description automatically generated">
+            <a:extLst>
+              <a:ext uri="{FF2B5EF4-FFF2-40B4-BE49-F238E27FC236}">
+                <a16:creationId xmlns:a16="http://schemas.microsoft.com/office/drawing/2014/main" id="{93BEBF85-C67F-8D3D-B7BF-63EB6971A50E}"/>
+              </a:ext>
+            </a:extLst>
+          </p:cNvPr>
+          <p:cNvPicPr>
+            <a:picLocks noChangeAspect="1"/>
+          </p:cNvPicPr>
+          <p:nvPr/>
+        </p:nvPicPr>
+        <p:blipFill>
+          <a:blip r:embed="rId3"/>
+          <a:stretch>
+            <a:fillRect/>
+          </a:stretch>
+        </p:blipFill>
+        <p:spPr>
+          <a:xfrm>
+            <a:off x="1010277" y="2611441"/>
+            <a:ext cx="7262186" cy="3494071"/>
+          </a:xfrm>
+          <a:prstGeom prst="rect">
+            <a:avLst/>
+          </a:prstGeom>
+        </p:spPr>
+      </p:pic>
+    </p:spTree>
+    <p:extLst>
+      <p:ext uri="{BB962C8B-B14F-4D97-AF65-F5344CB8AC3E}">
+        <p14:creationId xmlns:p14="http://schemas.microsoft.com/office/powerpoint/2010/main" val="521278631"/>
+      </p:ext>
+    </p:extLst>
+  </p:cSld>
+  <p:clrMapOvr>
+    <a:masterClrMapping/>
+  </p:clrMapOvr>
+</p:sld>
+</file>
+
+<file path=ppt/slides/slide24.xml><?xml version="1.0" encoding="utf-8"?>
+<p:sld xmlns:a="http://schemas.openxmlformats.org/drawingml/2006/main" xmlns:r="http://schemas.openxmlformats.org/officeDocument/2006/relationships" xmlns:p="http://schemas.openxmlformats.org/presentationml/2006/main">
+  <p:cSld>
+    <p:spTree>
+      <p:nvGrpSpPr>
+        <p:cNvPr id="1" name=""/>
+        <p:cNvGrpSpPr/>
+        <p:nvPr/>
+      </p:nvGrpSpPr>
+      <p:grpSpPr>
+        <a:xfrm>
+          <a:off x="0" y="0"/>
+          <a:ext cx="0" cy="0"/>
+          <a:chOff x="0" y="0"/>
+          <a:chExt cx="0" cy="0"/>
+        </a:xfrm>
+      </p:grpSpPr>
+      <p:sp>
+        <p:nvSpPr>
+          <p:cNvPr id="2" name="Title 1">
+            <a:extLst>
+              <a:ext uri="{FF2B5EF4-FFF2-40B4-BE49-F238E27FC236}">
+                <a16:creationId xmlns:a16="http://schemas.microsoft.com/office/drawing/2014/main" id="{0BD98198-8EBA-21E1-7318-064F02A42C06}"/>
+              </a:ext>
+            </a:extLst>
+          </p:cNvPr>
+          <p:cNvSpPr>
+            <a:spLocks noGrp="1"/>
+          </p:cNvSpPr>
+          <p:nvPr>
+            <p:ph type="title"/>
+          </p:nvPr>
+        </p:nvSpPr>
+        <p:spPr/>
+        <p:txBody>
+          <a:bodyPr/>
+          <a:lstStyle/>
+          <a:p>
+            <a:r>
+              <a:rPr lang="en-GB" dirty="0"/>
+              <a:t>Statement/Line/Code Coverage</a:t>
+            </a:r>
+            <a:endParaRPr lang="en-BE" dirty="0"/>
+          </a:p>
+        </p:txBody>
+      </p:sp>
+      <p:sp>
+        <p:nvSpPr>
+          <p:cNvPr id="8" name="TextBox 7">
+            <a:extLst>
+              <a:ext uri="{FF2B5EF4-FFF2-40B4-BE49-F238E27FC236}">
+                <a16:creationId xmlns:a16="http://schemas.microsoft.com/office/drawing/2014/main" id="{45E9A40B-CCC3-4D9D-6E92-FFABE398F7BC}"/>
+              </a:ext>
+            </a:extLst>
+          </p:cNvPr>
+          <p:cNvSpPr txBox="1"/>
+          <p:nvPr/>
+        </p:nvSpPr>
+        <p:spPr>
+          <a:xfrm>
+            <a:off x="1010277" y="1443038"/>
+            <a:ext cx="8228316" cy="830997"/>
+          </a:xfrm>
+          <a:prstGeom prst="rect">
+            <a:avLst/>
+          </a:prstGeom>
+          <a:noFill/>
+        </p:spPr>
+        <p:txBody>
+          <a:bodyPr wrap="square" rtlCol="0">
+            <a:spAutoFit/>
+          </a:bodyPr>
+          <a:lstStyle/>
+          <a:p>
+            <a:r>
+              <a:rPr lang="en-BE" sz="2400" dirty="0"/>
+              <a:t>Test Case(s)</a:t>
+            </a:r>
+          </a:p>
+          <a:p>
+            <a:r>
+              <a:rPr lang="en-BE" sz="2400" dirty="0">
+                <a:latin typeface="Courier" pitchFamily="2" charset="0"/>
+              </a:rPr>
+              <a:t>	ASSERT foo(0, true, true, true) == 0;</a:t>
+            </a:r>
+          </a:p>
+        </p:txBody>
+      </p:sp>
+      <p:pic>
+        <p:nvPicPr>
+          <p:cNvPr id="11" name="Picture 10" descr="Graphical user interface, text&#10;&#10;Description automatically generated">
+            <a:extLst>
+              <a:ext uri="{FF2B5EF4-FFF2-40B4-BE49-F238E27FC236}">
+                <a16:creationId xmlns:a16="http://schemas.microsoft.com/office/drawing/2014/main" id="{8811C712-211D-0008-4267-580BFC0D33F6}"/>
+              </a:ext>
+            </a:extLst>
+          </p:cNvPr>
+          <p:cNvPicPr>
+            <a:picLocks noChangeAspect="1"/>
+          </p:cNvPicPr>
+          <p:nvPr/>
+        </p:nvPicPr>
+        <p:blipFill>
+          <a:blip r:embed="rId3"/>
+          <a:stretch>
+            <a:fillRect/>
+          </a:stretch>
+        </p:blipFill>
+        <p:spPr>
+          <a:xfrm>
+            <a:off x="1010277" y="2611441"/>
+            <a:ext cx="7262186" cy="3494071"/>
+          </a:xfrm>
+          <a:prstGeom prst="rect">
+            <a:avLst/>
+          </a:prstGeom>
+        </p:spPr>
+      </p:pic>
+    </p:spTree>
+    <p:extLst>
+      <p:ext uri="{BB962C8B-B14F-4D97-AF65-F5344CB8AC3E}">
+        <p14:creationId xmlns:p14="http://schemas.microsoft.com/office/powerpoint/2010/main" val="231885178"/>
+      </p:ext>
+    </p:extLst>
+  </p:cSld>
+  <p:clrMapOvr>
+    <a:masterClrMapping/>
+  </p:clrMapOvr>
+</p:sld>
+</file>
+
+<file path=ppt/slides/slide25.xml><?xml version="1.0" encoding="utf-8"?>
+<p:sld xmlns:a="http://schemas.openxmlformats.org/drawingml/2006/main" xmlns:r="http://schemas.openxmlformats.org/officeDocument/2006/relationships" xmlns:p="http://schemas.openxmlformats.org/presentationml/2006/main">
+  <p:cSld>
+    <p:spTree>
+      <p:nvGrpSpPr>
+        <p:cNvPr id="1" name=""/>
+        <p:cNvGrpSpPr/>
+        <p:nvPr/>
+      </p:nvGrpSpPr>
+      <p:grpSpPr>
+        <a:xfrm>
+          <a:off x="0" y="0"/>
+          <a:ext cx="0" cy="0"/>
+          <a:chOff x="0" y="0"/>
+          <a:chExt cx="0" cy="0"/>
+        </a:xfrm>
+      </p:grpSpPr>
+      <p:sp>
+        <p:nvSpPr>
+          <p:cNvPr id="2" name="Title 1">
+            <a:extLst>
+              <a:ext uri="{FF2B5EF4-FFF2-40B4-BE49-F238E27FC236}">
+                <a16:creationId xmlns:a16="http://schemas.microsoft.com/office/drawing/2014/main" id="{0BD98198-8EBA-21E1-7318-064F02A42C06}"/>
+              </a:ext>
+            </a:extLst>
+          </p:cNvPr>
+          <p:cNvSpPr>
+            <a:spLocks noGrp="1"/>
+          </p:cNvSpPr>
+          <p:nvPr>
+            <p:ph type="title"/>
+          </p:nvPr>
+        </p:nvSpPr>
+        <p:spPr/>
+        <p:txBody>
+          <a:bodyPr/>
+          <a:lstStyle/>
+          <a:p>
+            <a:r>
+              <a:rPr lang="en-GB" dirty="0"/>
+              <a:t>Statement/Line/Code Coverage</a:t>
+            </a:r>
+            <a:endParaRPr lang="en-BE" dirty="0"/>
+          </a:p>
+        </p:txBody>
+      </p:sp>
+      <p:sp>
+        <p:nvSpPr>
+          <p:cNvPr id="8" name="TextBox 7">
+            <a:extLst>
+              <a:ext uri="{FF2B5EF4-FFF2-40B4-BE49-F238E27FC236}">
+                <a16:creationId xmlns:a16="http://schemas.microsoft.com/office/drawing/2014/main" id="{45E9A40B-CCC3-4D9D-6E92-FFABE398F7BC}"/>
+              </a:ext>
+            </a:extLst>
+          </p:cNvPr>
+          <p:cNvSpPr txBox="1"/>
+          <p:nvPr/>
+        </p:nvSpPr>
+        <p:spPr>
+          <a:xfrm>
+            <a:off x="1010277" y="1443038"/>
+            <a:ext cx="8228316" cy="830997"/>
+          </a:xfrm>
+          <a:prstGeom prst="rect">
+            <a:avLst/>
+          </a:prstGeom>
+          <a:noFill/>
+        </p:spPr>
+        <p:txBody>
+          <a:bodyPr wrap="square" rtlCol="0">
+            <a:spAutoFit/>
+          </a:bodyPr>
+          <a:lstStyle/>
+          <a:p>
+            <a:r>
+              <a:rPr lang="en-BE" sz="2400" dirty="0"/>
+              <a:t>Test Case(s)</a:t>
+            </a:r>
+          </a:p>
+          <a:p>
+            <a:r>
+              <a:rPr lang="en-BE" sz="2400" dirty="0">
+                <a:latin typeface="Courier" pitchFamily="2" charset="0"/>
+              </a:rPr>
+              <a:t>	ASSERT foo(0, true, true, true) == 0;</a:t>
+            </a:r>
+          </a:p>
+        </p:txBody>
+      </p:sp>
+      <p:pic>
+        <p:nvPicPr>
+          <p:cNvPr id="9" name="Picture 8" descr="Graphical user interface, text, application&#10;&#10;Description automatically generated">
+            <a:extLst>
+              <a:ext uri="{FF2B5EF4-FFF2-40B4-BE49-F238E27FC236}">
+                <a16:creationId xmlns:a16="http://schemas.microsoft.com/office/drawing/2014/main" id="{987CF31A-09ED-E4B9-4FB6-8D69B8EE26B4}"/>
+              </a:ext>
+            </a:extLst>
+          </p:cNvPr>
+          <p:cNvPicPr>
+            <a:picLocks noChangeAspect="1"/>
+          </p:cNvPicPr>
+          <p:nvPr/>
+        </p:nvPicPr>
+        <p:blipFill>
+          <a:blip r:embed="rId3"/>
+          <a:stretch>
+            <a:fillRect/>
+          </a:stretch>
+        </p:blipFill>
+        <p:spPr>
+          <a:xfrm>
+            <a:off x="1010276" y="2568579"/>
+            <a:ext cx="7970993" cy="3835100"/>
+          </a:xfrm>
+          <a:prstGeom prst="rect">
+            <a:avLst/>
+          </a:prstGeom>
+        </p:spPr>
+      </p:pic>
+    </p:spTree>
+    <p:extLst>
+      <p:ext uri="{BB962C8B-B14F-4D97-AF65-F5344CB8AC3E}">
+        <p14:creationId xmlns:p14="http://schemas.microsoft.com/office/powerpoint/2010/main" val="4082599503"/>
+      </p:ext>
+    </p:extLst>
+  </p:cSld>
+  <p:clrMapOvr>
+    <a:masterClrMapping/>
+  </p:clrMapOvr>
+</p:sld>
+</file>
+
+<file path=ppt/slides/slide26.xml><?xml version="1.0" encoding="utf-8"?>
+<p:sld xmlns:a="http://schemas.openxmlformats.org/drawingml/2006/main" xmlns:r="http://schemas.openxmlformats.org/officeDocument/2006/relationships" xmlns:p="http://schemas.openxmlformats.org/presentationml/2006/main">
+  <p:cSld>
+    <p:spTree>
+      <p:nvGrpSpPr>
+        <p:cNvPr id="1" name=""/>
+        <p:cNvGrpSpPr/>
+        <p:nvPr/>
+      </p:nvGrpSpPr>
+      <p:grpSpPr>
+        <a:xfrm>
+          <a:off x="0" y="0"/>
+          <a:ext cx="0" cy="0"/>
+          <a:chOff x="0" y="0"/>
+          <a:chExt cx="0" cy="0"/>
+        </a:xfrm>
+      </p:grpSpPr>
+      <p:sp>
+        <p:nvSpPr>
+          <p:cNvPr id="2" name="Title 1">
+            <a:extLst>
+              <a:ext uri="{FF2B5EF4-FFF2-40B4-BE49-F238E27FC236}">
+                <a16:creationId xmlns:a16="http://schemas.microsoft.com/office/drawing/2014/main" id="{0BD98198-8EBA-21E1-7318-064F02A42C06}"/>
+              </a:ext>
+            </a:extLst>
+          </p:cNvPr>
+          <p:cNvSpPr>
+            <a:spLocks noGrp="1"/>
+          </p:cNvSpPr>
+          <p:nvPr>
+            <p:ph type="title"/>
+          </p:nvPr>
+        </p:nvSpPr>
+        <p:spPr/>
+        <p:txBody>
+          <a:bodyPr/>
+          <a:lstStyle/>
+          <a:p>
+            <a:r>
+              <a:rPr lang="en-GB" dirty="0"/>
+              <a:t>Statement/Line/Code Coverage</a:t>
+            </a:r>
+            <a:endParaRPr lang="en-BE" dirty="0"/>
+          </a:p>
+        </p:txBody>
+      </p:sp>
+      <p:sp>
+        <p:nvSpPr>
+          <p:cNvPr id="8" name="TextBox 7">
+            <a:extLst>
+              <a:ext uri="{FF2B5EF4-FFF2-40B4-BE49-F238E27FC236}">
+                <a16:creationId xmlns:a16="http://schemas.microsoft.com/office/drawing/2014/main" id="{45E9A40B-CCC3-4D9D-6E92-FFABE398F7BC}"/>
+              </a:ext>
+            </a:extLst>
+          </p:cNvPr>
+          <p:cNvSpPr txBox="1"/>
+          <p:nvPr/>
+        </p:nvSpPr>
+        <p:spPr>
+          <a:xfrm>
+            <a:off x="1010277" y="1443038"/>
+            <a:ext cx="8228316" cy="830997"/>
+          </a:xfrm>
+          <a:prstGeom prst="rect">
+            <a:avLst/>
+          </a:prstGeom>
+          <a:noFill/>
+        </p:spPr>
+        <p:txBody>
+          <a:bodyPr wrap="square" rtlCol="0">
+            <a:spAutoFit/>
+          </a:bodyPr>
+          <a:lstStyle/>
+          <a:p>
+            <a:r>
+              <a:rPr lang="en-BE" sz="2400" dirty="0"/>
+              <a:t>Test Case(s)</a:t>
+            </a:r>
+          </a:p>
+          <a:p>
+            <a:r>
+              <a:rPr lang="en-BE" sz="2400" dirty="0">
+                <a:latin typeface="Courier" pitchFamily="2" charset="0"/>
+              </a:rPr>
+              <a:t>	ASSERT foo(0, true,, true, true) == -1;</a:t>
+            </a:r>
+          </a:p>
+        </p:txBody>
+      </p:sp>
+      <p:pic>
+        <p:nvPicPr>
+          <p:cNvPr id="9" name="Picture 8" descr="Graphical user interface, text, application&#10;&#10;Description automatically generated">
+            <a:extLst>
+              <a:ext uri="{FF2B5EF4-FFF2-40B4-BE49-F238E27FC236}">
+                <a16:creationId xmlns:a16="http://schemas.microsoft.com/office/drawing/2014/main" id="{987CF31A-09ED-E4B9-4FB6-8D69B8EE26B4}"/>
+              </a:ext>
+            </a:extLst>
+          </p:cNvPr>
+          <p:cNvPicPr>
+            <a:picLocks noChangeAspect="1"/>
+          </p:cNvPicPr>
+          <p:nvPr/>
+        </p:nvPicPr>
+        <p:blipFill>
+          <a:blip r:embed="rId3"/>
+          <a:stretch>
+            <a:fillRect/>
+          </a:stretch>
+        </p:blipFill>
+        <p:spPr>
+          <a:xfrm>
+            <a:off x="1010276" y="2568579"/>
+            <a:ext cx="7970993" cy="3835100"/>
+          </a:xfrm>
+          <a:prstGeom prst="rect">
+            <a:avLst/>
+          </a:prstGeom>
+        </p:spPr>
+      </p:pic>
+      <p:sp>
+        <p:nvSpPr>
+          <p:cNvPr id="11" name="TextBox 10">
+            <a:extLst>
+              <a:ext uri="{FF2B5EF4-FFF2-40B4-BE49-F238E27FC236}">
+                <a16:creationId xmlns:a16="http://schemas.microsoft.com/office/drawing/2014/main" id="{EF3D2AC8-6DF1-29C7-B9FE-837D40F034C1}"/>
+              </a:ext>
+            </a:extLst>
+          </p:cNvPr>
+          <p:cNvSpPr txBox="1"/>
+          <p:nvPr/>
+        </p:nvSpPr>
+        <p:spPr>
+          <a:xfrm>
+            <a:off x="4309973" y="1849718"/>
+            <a:ext cx="1133566" cy="400110"/>
+          </a:xfrm>
+          <a:prstGeom prst="rect">
+            <a:avLst/>
+          </a:prstGeom>
+          <a:solidFill>
+            <a:srgbClr val="FFFF00"/>
+          </a:solidFill>
+          <a:ln>
+            <a:solidFill>
+              <a:srgbClr val="FFFF00"/>
+            </a:solidFill>
+          </a:ln>
+        </p:spPr>
+        <p:txBody>
+          <a:bodyPr wrap="square" rtlCol="0">
+            <a:spAutoFit/>
+          </a:bodyPr>
+          <a:lstStyle/>
+          <a:p>
+            <a:r>
+              <a:rPr lang="en-BE" sz="2000" dirty="0">
+                <a:latin typeface="Courier" pitchFamily="2" charset="0"/>
+              </a:rPr>
+              <a:t>false</a:t>
+            </a:r>
+          </a:p>
+        </p:txBody>
+      </p:sp>
+      <p:grpSp>
+        <p:nvGrpSpPr>
+          <p:cNvPr id="21" name="Group 20">
+            <a:extLst>
+              <a:ext uri="{FF2B5EF4-FFF2-40B4-BE49-F238E27FC236}">
+                <a16:creationId xmlns:a16="http://schemas.microsoft.com/office/drawing/2014/main" id="{CE5A43A7-5B15-CF69-5382-62E5D051AD78}"/>
+              </a:ext>
+            </a:extLst>
+          </p:cNvPr>
+          <p:cNvGrpSpPr/>
+          <p:nvPr/>
+        </p:nvGrpSpPr>
+        <p:grpSpPr>
+          <a:xfrm>
+            <a:off x="1185863" y="3429000"/>
+            <a:ext cx="5343525" cy="1800225"/>
+            <a:chOff x="1185863" y="3429000"/>
+            <a:chExt cx="5343525" cy="1800225"/>
+          </a:xfrm>
+        </p:grpSpPr>
+        <p:sp>
+          <p:nvSpPr>
+            <p:cNvPr id="12" name="TextBox 11">
+              <a:extLst>
+                <a:ext uri="{FF2B5EF4-FFF2-40B4-BE49-F238E27FC236}">
+                  <a16:creationId xmlns:a16="http://schemas.microsoft.com/office/drawing/2014/main" id="{7E800343-CBEB-9A66-4AED-209CBF619D27}"/>
+                </a:ext>
+              </a:extLst>
+            </p:cNvPr>
+            <p:cNvSpPr txBox="1"/>
+            <p:nvPr/>
+          </p:nvSpPr>
+          <p:spPr>
+            <a:xfrm>
+              <a:off x="1185863" y="3943350"/>
+              <a:ext cx="1700211" cy="400110"/>
+            </a:xfrm>
+            <a:prstGeom prst="rect">
+              <a:avLst/>
+            </a:prstGeom>
+            <a:solidFill>
+              <a:srgbClr val="FFFF00"/>
+            </a:solidFill>
+          </p:spPr>
+          <p:txBody>
+            <a:bodyPr wrap="square" rtlCol="0">
+              <a:spAutoFit/>
+            </a:bodyPr>
+            <a:lstStyle/>
+            <a:p>
+              <a:r>
+                <a:rPr lang="en-GB" sz="2000" dirty="0">
+                  <a:latin typeface="Courier" pitchFamily="2" charset="0"/>
+                </a:rPr>
+                <a:t>    x</a:t>
+              </a:r>
+              <a:r>
+                <a:rPr lang="en-BE" sz="2000" dirty="0">
+                  <a:latin typeface="Courier" pitchFamily="2" charset="0"/>
+                </a:rPr>
+                <a:t>++;</a:t>
+              </a:r>
+            </a:p>
+          </p:txBody>
+        </p:sp>
+        <p:cxnSp>
+          <p:nvCxnSpPr>
+            <p:cNvPr id="14" name="Straight Connector 13">
+              <a:extLst>
+                <a:ext uri="{FF2B5EF4-FFF2-40B4-BE49-F238E27FC236}">
+                  <a16:creationId xmlns:a16="http://schemas.microsoft.com/office/drawing/2014/main" id="{39B1DC96-5824-36AC-F734-334EF206CA15}"/>
+                </a:ext>
+              </a:extLst>
+            </p:cNvPr>
+            <p:cNvCxnSpPr>
+              <a:cxnSpLocks/>
+            </p:cNvCxnSpPr>
+            <p:nvPr/>
+          </p:nvCxnSpPr>
+          <p:spPr>
+            <a:xfrm flipH="1">
+              <a:off x="3586163" y="4200525"/>
+              <a:ext cx="723810" cy="1028700"/>
+            </a:xfrm>
+            <a:prstGeom prst="line">
+              <a:avLst/>
+            </a:prstGeom>
+            <a:ln w="38100">
+              <a:solidFill>
+                <a:srgbClr val="C00000"/>
+              </a:solidFill>
+            </a:ln>
+          </p:spPr>
+          <p:style>
+            <a:lnRef idx="1">
+              <a:schemeClr val="dk1"/>
+            </a:lnRef>
+            <a:fillRef idx="0">
+              <a:schemeClr val="dk1"/>
+            </a:fillRef>
+            <a:effectRef idx="0">
+              <a:schemeClr val="dk1"/>
+            </a:effectRef>
+            <a:fontRef idx="minor">
+              <a:schemeClr val="tx1"/>
+            </a:fontRef>
+          </p:style>
+        </p:cxnSp>
+        <p:cxnSp>
+          <p:nvCxnSpPr>
+            <p:cNvPr id="16" name="Straight Connector 15">
+              <a:extLst>
+                <a:ext uri="{FF2B5EF4-FFF2-40B4-BE49-F238E27FC236}">
+                  <a16:creationId xmlns:a16="http://schemas.microsoft.com/office/drawing/2014/main" id="{69D0CA71-1C77-65B1-8779-9096181DA91C}"/>
+                </a:ext>
+              </a:extLst>
+            </p:cNvPr>
+            <p:cNvCxnSpPr>
+              <a:cxnSpLocks/>
+            </p:cNvCxnSpPr>
+            <p:nvPr/>
+          </p:nvCxnSpPr>
+          <p:spPr>
+            <a:xfrm>
+              <a:off x="3586163" y="4200525"/>
+              <a:ext cx="723810" cy="1028700"/>
+            </a:xfrm>
+            <a:prstGeom prst="line">
+              <a:avLst/>
+            </a:prstGeom>
+            <a:ln w="38100">
+              <a:solidFill>
+                <a:srgbClr val="C00000"/>
+              </a:solidFill>
+            </a:ln>
+          </p:spPr>
+          <p:style>
+            <a:lnRef idx="1">
+              <a:schemeClr val="accent1"/>
+            </a:lnRef>
+            <a:fillRef idx="0">
+              <a:schemeClr val="accent1"/>
+            </a:fillRef>
+            <a:effectRef idx="0">
+              <a:schemeClr val="accent1"/>
+            </a:effectRef>
+            <a:fontRef idx="minor">
+              <a:schemeClr val="tx1"/>
+            </a:fontRef>
+          </p:style>
+        </p:cxnSp>
+        <mc:AlternateContent xmlns:mc="http://schemas.openxmlformats.org/markup-compatibility/2006" xmlns:a14="http://schemas.microsoft.com/office/drawing/2010/main">
+          <mc:Choice Requires="a14">
+            <p:sp>
+              <p:nvSpPr>
+                <p:cNvPr id="20" name="TextBox 19">
+                  <a:extLst>
+                    <a:ext uri="{FF2B5EF4-FFF2-40B4-BE49-F238E27FC236}">
+                      <a16:creationId xmlns:a16="http://schemas.microsoft.com/office/drawing/2014/main" id="{B19F1D85-CD0C-80A4-70A1-0CCE5C3A83D1}"/>
+                    </a:ext>
+                  </a:extLst>
+                </p:cNvPr>
+                <p:cNvSpPr txBox="1"/>
+                <p:nvPr/>
+              </p:nvSpPr>
+              <p:spPr>
+                <a:xfrm>
+                  <a:off x="4181475" y="3429000"/>
+                  <a:ext cx="2347913" cy="625812"/>
+                </a:xfrm>
+                <a:prstGeom prst="rect">
+                  <a:avLst/>
+                </a:prstGeom>
+                <a:noFill/>
+                <a:ln w="28575">
+                  <a:solidFill>
+                    <a:srgbClr val="17792D"/>
+                  </a:solidFill>
+                </a:ln>
+              </p:spPr>
+              <p:txBody>
+                <a:bodyPr wrap="square" rtlCol="0">
+                  <a:spAutoFit/>
+                </a:bodyPr>
+                <a:lstStyle/>
+                <a:p>
+                  <a14:m>
+                    <m:oMath xmlns:m="http://schemas.openxmlformats.org/officeDocument/2006/math">
+                      <m:f>
+                        <m:fPr>
+                          <m:ctrlPr>
+                            <a:rPr lang="en-BE" sz="2400" b="1" i="1" smtClean="0">
+                              <a:solidFill>
+                                <a:srgbClr val="17792D"/>
+                              </a:solidFill>
+                              <a:latin typeface="Cambria Math" panose="02040503050406030204" pitchFamily="18" charset="0"/>
+                            </a:rPr>
+                          </m:ctrlPr>
+                        </m:fPr>
+                        <m:num>
+                          <m:r>
+                            <a:rPr lang="en-US" sz="2400" b="1" i="1" smtClean="0">
+                              <a:solidFill>
+                                <a:srgbClr val="17792D"/>
+                              </a:solidFill>
+                              <a:latin typeface="Cambria Math" panose="02040503050406030204" pitchFamily="18" charset="0"/>
+                            </a:rPr>
+                            <m:t>𝟖</m:t>
+                          </m:r>
+                        </m:num>
+                        <m:den>
+                          <m:r>
+                            <a:rPr lang="en-US" sz="2400" b="1" i="1" smtClean="0">
+                              <a:solidFill>
+                                <a:srgbClr val="17792D"/>
+                              </a:solidFill>
+                              <a:latin typeface="Cambria Math" panose="02040503050406030204" pitchFamily="18" charset="0"/>
+                            </a:rPr>
+                            <m:t>𝟗</m:t>
+                          </m:r>
+                        </m:den>
+                      </m:f>
+                    </m:oMath>
+                  </a14:m>
+                  <a:r>
+                    <a:rPr lang="en-BE" sz="2400" b="1" dirty="0">
+                      <a:solidFill>
+                        <a:srgbClr val="17792D"/>
+                      </a:solidFill>
+                    </a:rPr>
+                    <a:t> x100%  = 88.9%</a:t>
+                  </a:r>
+                </a:p>
+              </p:txBody>
+            </p:sp>
+          </mc:Choice>
+          <mc:Fallback xmlns="">
+            <p:sp>
+              <p:nvSpPr>
+                <p:cNvPr id="20" name="TextBox 19">
+                  <a:extLst>
+                    <a:ext uri="{FF2B5EF4-FFF2-40B4-BE49-F238E27FC236}">
+                      <a16:creationId xmlns:a16="http://schemas.microsoft.com/office/drawing/2014/main" id="{B19F1D85-CD0C-80A4-70A1-0CCE5C3A83D1}"/>
+                    </a:ext>
+                  </a:extLst>
+                </p:cNvPr>
+                <p:cNvSpPr txBox="1">
+                  <a:spLocks noRot="1" noChangeAspect="1" noMove="1" noResize="1" noEditPoints="1" noAdjustHandles="1" noChangeArrowheads="1" noChangeShapeType="1" noTextEdit="1"/>
+                </p:cNvSpPr>
+                <p:nvPr/>
+              </p:nvSpPr>
+              <p:spPr>
+                <a:xfrm>
+                  <a:off x="4181475" y="3429000"/>
+                  <a:ext cx="2347913" cy="625812"/>
+                </a:xfrm>
+                <a:prstGeom prst="rect">
+                  <a:avLst/>
+                </a:prstGeom>
+                <a:blipFill>
+                  <a:blip r:embed="rId4"/>
+                  <a:stretch>
+                    <a:fillRect r="-2660" b="-5769"/>
+                  </a:stretch>
+                </a:blipFill>
+                <a:ln w="28575">
+                  <a:solidFill>
+                    <a:srgbClr val="17792D"/>
+                  </a:solidFill>
+                </a:ln>
+              </p:spPr>
+              <p:txBody>
+                <a:bodyPr/>
+                <a:lstStyle/>
+                <a:p>
+                  <a:r>
+                    <a:rPr lang="en-BE">
+                      <a:noFill/>
+                    </a:rPr>
+                    <a:t> </a:t>
+                  </a:r>
+                </a:p>
+              </p:txBody>
+            </p:sp>
+          </mc:Fallback>
+        </mc:AlternateContent>
+      </p:grpSp>
+    </p:spTree>
+    <p:extLst>
+      <p:ext uri="{BB962C8B-B14F-4D97-AF65-F5344CB8AC3E}">
+        <p14:creationId xmlns:p14="http://schemas.microsoft.com/office/powerpoint/2010/main" val="4014458114"/>
+      </p:ext>
+    </p:extLst>
+  </p:cSld>
+  <p:clrMapOvr>
+    <a:masterClrMapping/>
+  </p:clrMapOvr>
+  <p:timing>
+    <p:tnLst>
+      <p:par>
+        <p:cTn id="1" dur="indefinite" restart="never" nodeType="tmRoot">
+          <p:childTnLst>
+            <p:seq concurrent="1" nextAc="seek">
+              <p:cTn id="2" dur="indefinite" nodeType="mainSeq">
+                <p:childTnLst>
+                  <p:par>
+                    <p:cTn id="3" fill="hold">
+                      <p:stCondLst>
+                        <p:cond delay="indefinite"/>
+                      </p:stCondLst>
+                      <p:childTnLst>
+                        <p:par>
+                          <p:cTn id="4" fill="hold">
+                            <p:stCondLst>
+                              <p:cond delay="0"/>
+                            </p:stCondLst>
+                            <p:childTnLst>
+                              <p:par>
+                                <p:cTn id="5" presetID="9" presetClass="entr" presetSubtype="0" fill="hold" nodeType="clickEffect">
+                                  <p:stCondLst>
+                                    <p:cond delay="0"/>
+                                  </p:stCondLst>
+                                  <p:childTnLst>
+                                    <p:set>
+                                      <p:cBhvr>
+                                        <p:cTn id="6" dur="1" fill="hold">
+                                          <p:stCondLst>
+                                            <p:cond delay="0"/>
+                                          </p:stCondLst>
+                                        </p:cTn>
+                                        <p:tgtEl>
+                                          <p:spTgt spid="21"/>
+                                        </p:tgtEl>
+                                        <p:attrNameLst>
+                                          <p:attrName>style.visibility</p:attrName>
+                                        </p:attrNameLst>
+                                      </p:cBhvr>
+                                      <p:to>
+                                        <p:strVal val="visible"/>
+                                      </p:to>
+                                    </p:set>
+                                    <p:animEffect transition="in" filter="dissolve">
+                                      <p:cBhvr>
+                                        <p:cTn id="7" dur="500"/>
+                                        <p:tgtEl>
+                                          <p:spTgt spid="21"/>
+                                        </p:tgtEl>
+                                      </p:cBhvr>
+                                    </p:animEffect>
+                                  </p:childTnLst>
+                                </p:cTn>
+                              </p:par>
+                            </p:childTnLst>
+                          </p:cTn>
+                        </p:par>
+                      </p:childTnLst>
+                    </p:cTn>
+                  </p:par>
+                </p:childTnLst>
+              </p:cTn>
+              <p:prevCondLst>
+                <p:cond evt="onPrev" delay="0">
+                  <p:tgtEl>
+                    <p:sldTgt/>
+                  </p:tgtEl>
+                </p:cond>
+              </p:prevCondLst>
+              <p:nextCondLst>
+                <p:cond evt="onNext" delay="0">
+                  <p:tgtEl>
+                    <p:sldTgt/>
+                  </p:tgtEl>
+                </p:cond>
+              </p:nextCondLst>
+            </p:seq>
+          </p:childTnLst>
+        </p:cTn>
+      </p:par>
+    </p:tnLst>
+  </p:timing>
+</p:sld>
+</file>
+
+<file path=ppt/slides/slide27.xml><?xml version="1.0" encoding="utf-8"?>
+<p:sld xmlns:a="http://schemas.openxmlformats.org/drawingml/2006/main" xmlns:r="http://schemas.openxmlformats.org/officeDocument/2006/relationships" xmlns:p="http://schemas.openxmlformats.org/presentationml/2006/main">
+  <p:cSld>
+    <p:spTree>
+      <p:nvGrpSpPr>
+        <p:cNvPr id="1" name=""/>
+        <p:cNvGrpSpPr/>
+        <p:nvPr/>
+      </p:nvGrpSpPr>
+      <p:grpSpPr>
+        <a:xfrm>
+          <a:off x="0" y="0"/>
+          <a:ext cx="0" cy="0"/>
+          <a:chOff x="0" y="0"/>
+          <a:chExt cx="0" cy="0"/>
+        </a:xfrm>
+      </p:grpSpPr>
+      <p:pic>
+        <p:nvPicPr>
+          <p:cNvPr id="4" name="Picture 3" descr="Graphical user interface, text, application, chat or text message&#10;&#10;Description automatically generated">
+            <a:extLst>
+              <a:ext uri="{FF2B5EF4-FFF2-40B4-BE49-F238E27FC236}">
+                <a16:creationId xmlns:a16="http://schemas.microsoft.com/office/drawing/2014/main" id="{9DF2D030-F50B-B7AF-877C-B980205F1B10}"/>
+              </a:ext>
+            </a:extLst>
+          </p:cNvPr>
+          <p:cNvPicPr>
+            <a:picLocks noChangeAspect="1"/>
+          </p:cNvPicPr>
+          <p:nvPr/>
+        </p:nvPicPr>
+        <p:blipFill>
+          <a:blip r:embed="rId3"/>
+          <a:stretch>
+            <a:fillRect/>
+          </a:stretch>
+        </p:blipFill>
+        <p:spPr>
+          <a:xfrm>
+            <a:off x="1010275" y="2568579"/>
+            <a:ext cx="7970993" cy="3853900"/>
+          </a:xfrm>
+          <a:prstGeom prst="rect">
+            <a:avLst/>
+          </a:prstGeom>
+        </p:spPr>
+      </p:pic>
+      <p:sp>
+        <p:nvSpPr>
+          <p:cNvPr id="2" name="Title 1">
+            <a:extLst>
+              <a:ext uri="{FF2B5EF4-FFF2-40B4-BE49-F238E27FC236}">
+                <a16:creationId xmlns:a16="http://schemas.microsoft.com/office/drawing/2014/main" id="{0BD98198-8EBA-21E1-7318-064F02A42C06}"/>
+              </a:ext>
+            </a:extLst>
+          </p:cNvPr>
+          <p:cNvSpPr>
+            <a:spLocks noGrp="1"/>
+          </p:cNvSpPr>
+          <p:nvPr>
+            <p:ph type="title"/>
+          </p:nvPr>
+        </p:nvSpPr>
+        <p:spPr/>
+        <p:txBody>
+          <a:bodyPr/>
+          <a:lstStyle/>
+          <a:p>
+            <a:r>
+              <a:rPr lang="en-GB" dirty="0"/>
+              <a:t>Branch/Condition Coverage</a:t>
+            </a:r>
+            <a:endParaRPr lang="en-BE" dirty="0"/>
+          </a:p>
+        </p:txBody>
+      </p:sp>
+      <p:sp>
+        <p:nvSpPr>
+          <p:cNvPr id="8" name="TextBox 7">
+            <a:extLst>
+              <a:ext uri="{FF2B5EF4-FFF2-40B4-BE49-F238E27FC236}">
+                <a16:creationId xmlns:a16="http://schemas.microsoft.com/office/drawing/2014/main" id="{45E9A40B-CCC3-4D9D-6E92-FFABE398F7BC}"/>
+              </a:ext>
+            </a:extLst>
+          </p:cNvPr>
+          <p:cNvSpPr txBox="1"/>
+          <p:nvPr/>
+        </p:nvSpPr>
+        <p:spPr>
+          <a:xfrm>
+            <a:off x="1010277" y="1443038"/>
+            <a:ext cx="8228316" cy="830997"/>
+          </a:xfrm>
+          <a:prstGeom prst="rect">
+            <a:avLst/>
+          </a:prstGeom>
+          <a:noFill/>
+        </p:spPr>
+        <p:txBody>
+          <a:bodyPr wrap="square" rtlCol="0">
+            <a:spAutoFit/>
+          </a:bodyPr>
+          <a:lstStyle/>
+          <a:p>
+            <a:r>
+              <a:rPr lang="en-BE" sz="2400" dirty="0"/>
+              <a:t>Test Case(s)</a:t>
+            </a:r>
+          </a:p>
+          <a:p>
+            <a:r>
+              <a:rPr lang="en-BE" sz="2400" dirty="0">
+                <a:latin typeface="Courier" pitchFamily="2" charset="0"/>
+              </a:rPr>
+              <a:t>	ASSERT foo(0, true, true, true) == 0;</a:t>
+            </a:r>
+          </a:p>
+        </p:txBody>
+      </p:sp>
+    </p:spTree>
+    <p:extLst>
+      <p:ext uri="{BB962C8B-B14F-4D97-AF65-F5344CB8AC3E}">
+        <p14:creationId xmlns:p14="http://schemas.microsoft.com/office/powerpoint/2010/main" val="2143833944"/>
+      </p:ext>
+    </p:extLst>
+  </p:cSld>
+  <p:clrMapOvr>
+    <a:masterClrMapping/>
+  </p:clrMapOvr>
+</p:sld>
+</file>
+
+<file path=ppt/slides/slide28.xml><?xml version="1.0" encoding="utf-8"?>
+<p:sld xmlns:a="http://schemas.openxmlformats.org/drawingml/2006/main" xmlns:r="http://schemas.openxmlformats.org/officeDocument/2006/relationships" xmlns:p="http://schemas.openxmlformats.org/presentationml/2006/main">
+  <p:cSld>
+    <p:spTree>
+      <p:nvGrpSpPr>
+        <p:cNvPr id="1" name=""/>
+        <p:cNvGrpSpPr/>
+        <p:nvPr/>
+      </p:nvGrpSpPr>
+      <p:grpSpPr>
+        <a:xfrm>
+          <a:off x="0" y="0"/>
+          <a:ext cx="0" cy="0"/>
+          <a:chOff x="0" y="0"/>
+          <a:chExt cx="0" cy="0"/>
+        </a:xfrm>
+      </p:grpSpPr>
+      <p:pic>
+        <p:nvPicPr>
+          <p:cNvPr id="7" name="Picture 6" descr="Graphical user interface, text, application&#10;&#10;Description automatically generated">
+            <a:extLst>
+              <a:ext uri="{FF2B5EF4-FFF2-40B4-BE49-F238E27FC236}">
+                <a16:creationId xmlns:a16="http://schemas.microsoft.com/office/drawing/2014/main" id="{70D752A9-42EE-AC72-C5CB-98DAA28F8EC7}"/>
+              </a:ext>
+            </a:extLst>
+          </p:cNvPr>
+          <p:cNvPicPr>
+            <a:picLocks noChangeAspect="1"/>
+          </p:cNvPicPr>
+          <p:nvPr/>
+        </p:nvPicPr>
+        <p:blipFill>
+          <a:blip r:embed="rId3"/>
+          <a:stretch>
+            <a:fillRect/>
+          </a:stretch>
+        </p:blipFill>
+        <p:spPr>
+          <a:xfrm>
+            <a:off x="1010275" y="2600504"/>
+            <a:ext cx="7970992" cy="3825322"/>
+          </a:xfrm>
+          <a:prstGeom prst="rect">
+            <a:avLst/>
+          </a:prstGeom>
+        </p:spPr>
+      </p:pic>
+      <p:sp>
+        <p:nvSpPr>
+          <p:cNvPr id="2" name="Title 1">
+            <a:extLst>
+              <a:ext uri="{FF2B5EF4-FFF2-40B4-BE49-F238E27FC236}">
+                <a16:creationId xmlns:a16="http://schemas.microsoft.com/office/drawing/2014/main" id="{0BD98198-8EBA-21E1-7318-064F02A42C06}"/>
+              </a:ext>
+            </a:extLst>
+          </p:cNvPr>
+          <p:cNvSpPr>
+            <a:spLocks noGrp="1"/>
+          </p:cNvSpPr>
+          <p:nvPr>
+            <p:ph type="title"/>
+          </p:nvPr>
+        </p:nvSpPr>
+        <p:spPr/>
+        <p:txBody>
+          <a:bodyPr/>
+          <a:lstStyle/>
+          <a:p>
+            <a:r>
+              <a:rPr lang="en-GB" dirty="0"/>
+              <a:t>Branch/Condition Coverage</a:t>
+            </a:r>
+            <a:endParaRPr lang="en-BE" dirty="0"/>
+          </a:p>
+        </p:txBody>
+      </p:sp>
+      <p:sp>
+        <p:nvSpPr>
+          <p:cNvPr id="8" name="TextBox 7">
+            <a:extLst>
+              <a:ext uri="{FF2B5EF4-FFF2-40B4-BE49-F238E27FC236}">
+                <a16:creationId xmlns:a16="http://schemas.microsoft.com/office/drawing/2014/main" id="{45E9A40B-CCC3-4D9D-6E92-FFABE398F7BC}"/>
+              </a:ext>
+            </a:extLst>
+          </p:cNvPr>
+          <p:cNvSpPr txBox="1"/>
+          <p:nvPr/>
+        </p:nvSpPr>
+        <p:spPr>
+          <a:xfrm>
+            <a:off x="1010277" y="1443038"/>
+            <a:ext cx="8228316" cy="1200329"/>
+          </a:xfrm>
+          <a:prstGeom prst="rect">
+            <a:avLst/>
+          </a:prstGeom>
+          <a:noFill/>
+        </p:spPr>
+        <p:txBody>
+          <a:bodyPr wrap="square" rtlCol="0">
+            <a:spAutoFit/>
+          </a:bodyPr>
+          <a:lstStyle/>
+          <a:p>
+            <a:r>
+              <a:rPr lang="en-BE" sz="2400" dirty="0"/>
+              <a:t>Test Case(s)</a:t>
+            </a:r>
+          </a:p>
+          <a:p>
+            <a:r>
+              <a:rPr lang="en-BE" sz="2400" dirty="0">
+                <a:latin typeface="Courier" pitchFamily="2" charset="0"/>
+              </a:rPr>
+              <a:t>	ASSERT foo(0, true, true, true) == 0;</a:t>
+            </a:r>
+          </a:p>
+          <a:p>
+            <a:r>
+              <a:rPr lang="en-BE" sz="2400" dirty="0">
+                <a:latin typeface="Courier" pitchFamily="2" charset="0"/>
+              </a:rPr>
+              <a:t>	Assert foo(0,false, false, false) == 0;</a:t>
+            </a:r>
+          </a:p>
+        </p:txBody>
+      </p:sp>
+      <p:sp>
+        <p:nvSpPr>
+          <p:cNvPr id="9" name="Rounded Rectangular Callout 8">
+            <a:extLst>
+              <a:ext uri="{FF2B5EF4-FFF2-40B4-BE49-F238E27FC236}">
+                <a16:creationId xmlns:a16="http://schemas.microsoft.com/office/drawing/2014/main" id="{C47835F7-DAFB-067F-5C25-638BE422DF6C}"/>
+              </a:ext>
+            </a:extLst>
+          </p:cNvPr>
+          <p:cNvSpPr/>
+          <p:nvPr/>
+        </p:nvSpPr>
+        <p:spPr>
+          <a:xfrm>
+            <a:off x="9510712" y="988130"/>
+            <a:ext cx="1843088" cy="909816"/>
+          </a:xfrm>
+          <a:prstGeom prst="wedgeRoundRectCallout">
+            <a:avLst>
+              <a:gd name="adj1" fmla="val -70445"/>
+              <a:gd name="adj2" fmla="val 104900"/>
+              <a:gd name="adj3" fmla="val 16667"/>
+            </a:avLst>
+          </a:prstGeom>
+          <a:solidFill>
+            <a:srgbClr val="15BE23"/>
+          </a:solidFill>
+          <a:ln>
+            <a:solidFill>
+              <a:srgbClr val="15BE23"/>
+            </a:solidFill>
+          </a:ln>
+        </p:spPr>
+        <p:style>
+          <a:lnRef idx="2">
+            <a:schemeClr val="accent1">
+              <a:shade val="50000"/>
+            </a:schemeClr>
+          </a:lnRef>
+          <a:fillRef idx="1">
+            <a:schemeClr val="accent1"/>
+          </a:fillRef>
+          <a:effectRef idx="0">
+            <a:schemeClr val="accent1"/>
+          </a:effectRef>
+          <a:fontRef idx="minor">
+            <a:schemeClr val="lt1"/>
+          </a:fontRef>
+        </p:style>
+        <p:txBody>
+          <a:bodyPr rtlCol="0" anchor="ctr"/>
+          <a:lstStyle/>
+          <a:p>
+            <a:pPr algn="ctr"/>
+            <a:r>
+              <a:rPr lang="en-BE" sz="2800" b="1" dirty="0"/>
+              <a:t>New Test</a:t>
+            </a:r>
+          </a:p>
+        </p:txBody>
+      </p:sp>
+    </p:spTree>
+    <p:extLst>
+      <p:ext uri="{BB962C8B-B14F-4D97-AF65-F5344CB8AC3E}">
+        <p14:creationId xmlns:p14="http://schemas.microsoft.com/office/powerpoint/2010/main" val="2818275245"/>
+      </p:ext>
+    </p:extLst>
+  </p:cSld>
+  <p:clrMapOvr>
+    <a:masterClrMapping/>
+  </p:clrMapOvr>
+  <p:timing>
+    <p:tnLst>
+      <p:par>
+        <p:cTn id="1" dur="indefinite" restart="never" nodeType="tmRoot">
+          <p:childTnLst>
+            <p:seq concurrent="1" nextAc="seek">
+              <p:cTn id="2" dur="indefinite" nodeType="mainSeq">
+                <p:childTnLst>
+                  <p:par>
+                    <p:cTn id="3" fill="hold">
+                      <p:stCondLst>
+                        <p:cond delay="indefinite"/>
+                      </p:stCondLst>
+                      <p:childTnLst>
+                        <p:par>
+                          <p:cTn id="4" fill="hold">
+                            <p:stCondLst>
+                              <p:cond delay="0"/>
+                            </p:stCondLst>
+                            <p:childTnLst>
+                              <p:par>
+                                <p:cTn id="5" presetID="9" presetClass="entr" presetSubtype="0" fill="hold" grpId="0" nodeType="clickEffect">
+                                  <p:stCondLst>
+                                    <p:cond delay="0"/>
+                                  </p:stCondLst>
+                                  <p:childTnLst>
+                                    <p:set>
+                                      <p:cBhvr>
+                                        <p:cTn id="6" dur="1" fill="hold">
+                                          <p:stCondLst>
+                                            <p:cond delay="0"/>
+                                          </p:stCondLst>
+                                        </p:cTn>
+                                        <p:tgtEl>
+                                          <p:spTgt spid="9"/>
+                                        </p:tgtEl>
+                                        <p:attrNameLst>
+                                          <p:attrName>style.visibility</p:attrName>
+                                        </p:attrNameLst>
+                                      </p:cBhvr>
+                                      <p:to>
+                                        <p:strVal val="visible"/>
+                                      </p:to>
+                                    </p:set>
+                                    <p:animEffect transition="in" filter="dissolve">
+                                      <p:cBhvr>
+                                        <p:cTn id="7" dur="500"/>
+                                        <p:tgtEl>
+                                          <p:spTgt spid="9"/>
+                                        </p:tgtEl>
+                                      </p:cBhvr>
+                                    </p:animEffect>
+                                  </p:childTnLst>
+                                </p:cTn>
+                              </p:par>
+                            </p:childTnLst>
+                          </p:cTn>
+                        </p:par>
+                      </p:childTnLst>
+                    </p:cTn>
+                  </p:par>
+                </p:childTnLst>
+              </p:cTn>
+              <p:prevCondLst>
+                <p:cond evt="onPrev" delay="0">
+                  <p:tgtEl>
+                    <p:sldTgt/>
+                  </p:tgtEl>
+                </p:cond>
+              </p:prevCondLst>
+              <p:nextCondLst>
+                <p:cond evt="onNext" delay="0">
+                  <p:tgtEl>
+                    <p:sldTgt/>
+                  </p:tgtEl>
+                </p:cond>
+              </p:nextCondLst>
+            </p:seq>
+          </p:childTnLst>
+        </p:cTn>
+      </p:par>
+    </p:tnLst>
+    <p:bldLst>
+      <p:bldP spid="9" grpId="0" animBg="1"/>
+    </p:bldLst>
+  </p:timing>
+</p:sld>
+</file>
+
+<file path=ppt/slides/slide29.xml><?xml version="1.0" encoding="utf-8"?>
+<p:sld xmlns:a="http://schemas.openxmlformats.org/drawingml/2006/main" xmlns:r="http://schemas.openxmlformats.org/officeDocument/2006/relationships" xmlns:p="http://schemas.openxmlformats.org/presentationml/2006/main">
+  <p:cSld>
+    <p:spTree>
+      <p:nvGrpSpPr>
+        <p:cNvPr id="1" name=""/>
+        <p:cNvGrpSpPr/>
+        <p:nvPr/>
+      </p:nvGrpSpPr>
+      <p:grpSpPr>
+        <a:xfrm>
+          <a:off x="0" y="0"/>
+          <a:ext cx="0" cy="0"/>
+          <a:chOff x="0" y="0"/>
+          <a:chExt cx="0" cy="0"/>
+        </a:xfrm>
+      </p:grpSpPr>
+      <p:sp>
+        <p:nvSpPr>
+          <p:cNvPr id="2" name="Title 1">
+            <a:extLst>
+              <a:ext uri="{FF2B5EF4-FFF2-40B4-BE49-F238E27FC236}">
+                <a16:creationId xmlns:a16="http://schemas.microsoft.com/office/drawing/2014/main" id="{3D043C6F-05B7-4947-8EAA-7AB50A233752}"/>
+              </a:ext>
+            </a:extLst>
+          </p:cNvPr>
+          <p:cNvSpPr>
+            <a:spLocks noGrp="1"/>
+          </p:cNvSpPr>
+          <p:nvPr>
+            <p:ph type="title"/>
+          </p:nvPr>
+        </p:nvSpPr>
+        <p:spPr/>
+        <p:txBody>
+          <a:bodyPr/>
+          <a:lstStyle/>
+          <a:p>
+            <a:r>
+              <a:rPr lang="en-GB" dirty="0"/>
+              <a:t>Path Coverage</a:t>
+            </a:r>
+            <a:endParaRPr lang="en-BE" dirty="0"/>
+          </a:p>
+        </p:txBody>
+      </p:sp>
+      <p:sp>
+        <p:nvSpPr>
+          <p:cNvPr id="3" name="Content Placeholder 2">
+            <a:extLst>
+              <a:ext uri="{FF2B5EF4-FFF2-40B4-BE49-F238E27FC236}">
+                <a16:creationId xmlns:a16="http://schemas.microsoft.com/office/drawing/2014/main" id="{C0A8D1BE-CFEF-D723-FB0E-65DCF7AAAB2D}"/>
+              </a:ext>
+            </a:extLst>
+          </p:cNvPr>
+          <p:cNvSpPr>
+            <a:spLocks noGrp="1"/>
+          </p:cNvSpPr>
+          <p:nvPr>
+            <p:ph idx="1"/>
+          </p:nvPr>
+        </p:nvSpPr>
+        <p:spPr>
+          <a:xfrm>
+            <a:off x="838200" y="1825626"/>
+            <a:ext cx="10515600" cy="488950"/>
+          </a:xfrm>
+        </p:spPr>
+        <p:txBody>
+          <a:bodyPr>
+            <a:noAutofit/>
+          </a:bodyPr>
+          <a:lstStyle/>
+          <a:p>
+            <a:pPr marL="0" indent="0">
+              <a:buNone/>
+            </a:pPr>
+            <a:r>
+              <a:rPr lang="en-GB" sz="3200" dirty="0"/>
+              <a:t>Paths for three “if” each can be either true (T) or false (F)</a:t>
+            </a:r>
+            <a:endParaRPr lang="en-BE" sz="3200" dirty="0"/>
+          </a:p>
+        </p:txBody>
+      </p:sp>
+      <p:pic>
+        <p:nvPicPr>
+          <p:cNvPr id="5" name="Picture 4" descr="Diagram&#10;&#10;Description automatically generated">
+            <a:extLst>
+              <a:ext uri="{FF2B5EF4-FFF2-40B4-BE49-F238E27FC236}">
+                <a16:creationId xmlns:a16="http://schemas.microsoft.com/office/drawing/2014/main" id="{D57DC6C9-6C71-FFAA-D5EF-DF447CE13434}"/>
+              </a:ext>
+            </a:extLst>
+          </p:cNvPr>
+          <p:cNvPicPr>
+            <a:picLocks noChangeAspect="1"/>
+          </p:cNvPicPr>
+          <p:nvPr/>
+        </p:nvPicPr>
+        <p:blipFill>
+          <a:blip r:embed="rId2"/>
+          <a:stretch>
+            <a:fillRect/>
+          </a:stretch>
+        </p:blipFill>
+        <p:spPr>
+          <a:xfrm>
+            <a:off x="3048000" y="2701000"/>
+            <a:ext cx="5295900" cy="3684850"/>
+          </a:xfrm>
+          <a:prstGeom prst="rect">
+            <a:avLst/>
+          </a:prstGeom>
+        </p:spPr>
+      </p:pic>
+      <p:sp>
+        <p:nvSpPr>
+          <p:cNvPr id="6" name="TextBox 5">
+            <a:extLst>
+              <a:ext uri="{FF2B5EF4-FFF2-40B4-BE49-F238E27FC236}">
+                <a16:creationId xmlns:a16="http://schemas.microsoft.com/office/drawing/2014/main" id="{3AA9874E-1C8F-DD73-8A9C-AA8343B28A3D}"/>
+              </a:ext>
+            </a:extLst>
+          </p:cNvPr>
+          <p:cNvSpPr txBox="1"/>
+          <p:nvPr/>
+        </p:nvSpPr>
+        <p:spPr>
+          <a:xfrm>
+            <a:off x="1905000" y="3289300"/>
+            <a:ext cx="1562100" cy="584775"/>
+          </a:xfrm>
+          <a:prstGeom prst="rect">
+            <a:avLst/>
+          </a:prstGeom>
+          <a:noFill/>
+        </p:spPr>
+        <p:txBody>
+          <a:bodyPr wrap="square" rtlCol="0">
+            <a:spAutoFit/>
+          </a:bodyPr>
+          <a:lstStyle/>
+          <a:p>
+            <a:r>
+              <a:rPr lang="en-BE" sz="3200" dirty="0"/>
+              <a:t>8-Paths</a:t>
+            </a:r>
+          </a:p>
+        </p:txBody>
+      </p:sp>
+    </p:spTree>
+    <p:extLst>
+      <p:ext uri="{BB962C8B-B14F-4D97-AF65-F5344CB8AC3E}">
+        <p14:creationId xmlns:p14="http://schemas.microsoft.com/office/powerpoint/2010/main" val="3350497516"/>
       </p:ext>
     </p:extLst>
   </p:cSld>
@@ -14447,6 +18692,640 @@
 </p:sld>
 </file>
 
+<file path=ppt/slides/slide30.xml><?xml version="1.0" encoding="utf-8"?>
+<p:sld xmlns:a="http://schemas.openxmlformats.org/drawingml/2006/main" xmlns:r="http://schemas.openxmlformats.org/officeDocument/2006/relationships" xmlns:p="http://schemas.openxmlformats.org/presentationml/2006/main">
+  <p:cSld>
+    <p:spTree>
+      <p:nvGrpSpPr>
+        <p:cNvPr id="1" name=""/>
+        <p:cNvGrpSpPr/>
+        <p:nvPr/>
+      </p:nvGrpSpPr>
+      <p:grpSpPr>
+        <a:xfrm>
+          <a:off x="0" y="0"/>
+          <a:ext cx="0" cy="0"/>
+          <a:chOff x="0" y="0"/>
+          <a:chExt cx="0" cy="0"/>
+        </a:xfrm>
+      </p:grpSpPr>
+      <p:sp>
+        <p:nvSpPr>
+          <p:cNvPr id="2" name="Title 1">
+            <a:extLst>
+              <a:ext uri="{FF2B5EF4-FFF2-40B4-BE49-F238E27FC236}">
+                <a16:creationId xmlns:a16="http://schemas.microsoft.com/office/drawing/2014/main" id="{3D043C6F-05B7-4947-8EAA-7AB50A233752}"/>
+              </a:ext>
+            </a:extLst>
+          </p:cNvPr>
+          <p:cNvSpPr>
+            <a:spLocks noGrp="1"/>
+          </p:cNvSpPr>
+          <p:nvPr>
+            <p:ph type="title"/>
+          </p:nvPr>
+        </p:nvSpPr>
+        <p:spPr/>
+        <p:txBody>
+          <a:bodyPr/>
+          <a:lstStyle/>
+          <a:p>
+            <a:r>
+              <a:rPr lang="en-GB" dirty="0"/>
+              <a:t>Path Coverage</a:t>
+            </a:r>
+            <a:endParaRPr lang="en-BE" dirty="0"/>
+          </a:p>
+        </p:txBody>
+      </p:sp>
+      <p:pic>
+        <p:nvPicPr>
+          <p:cNvPr id="5" name="Picture 4" descr="Diagram&#10;&#10;Description automatically generated">
+            <a:extLst>
+              <a:ext uri="{FF2B5EF4-FFF2-40B4-BE49-F238E27FC236}">
+                <a16:creationId xmlns:a16="http://schemas.microsoft.com/office/drawing/2014/main" id="{D57DC6C9-6C71-FFAA-D5EF-DF447CE13434}"/>
+              </a:ext>
+            </a:extLst>
+          </p:cNvPr>
+          <p:cNvPicPr>
+            <a:picLocks noChangeAspect="1"/>
+          </p:cNvPicPr>
+          <p:nvPr/>
+        </p:nvPicPr>
+        <p:blipFill>
+          <a:blip r:embed="rId3"/>
+          <a:stretch>
+            <a:fillRect/>
+          </a:stretch>
+        </p:blipFill>
+        <p:spPr>
+          <a:xfrm>
+            <a:off x="3048000" y="2701000"/>
+            <a:ext cx="5295900" cy="3684850"/>
+          </a:xfrm>
+          <a:prstGeom prst="rect">
+            <a:avLst/>
+          </a:prstGeom>
+        </p:spPr>
+      </p:pic>
+      <p:sp>
+        <p:nvSpPr>
+          <p:cNvPr id="7" name="TextBox 6">
+            <a:extLst>
+              <a:ext uri="{FF2B5EF4-FFF2-40B4-BE49-F238E27FC236}">
+                <a16:creationId xmlns:a16="http://schemas.microsoft.com/office/drawing/2014/main" id="{219DB70C-AB4D-1362-0896-E82FC1641088}"/>
+              </a:ext>
+            </a:extLst>
+          </p:cNvPr>
+          <p:cNvSpPr txBox="1"/>
+          <p:nvPr/>
+        </p:nvSpPr>
+        <p:spPr>
+          <a:xfrm>
+            <a:off x="1010277" y="1443038"/>
+            <a:ext cx="8228316" cy="1200329"/>
+          </a:xfrm>
+          <a:prstGeom prst="rect">
+            <a:avLst/>
+          </a:prstGeom>
+          <a:noFill/>
+        </p:spPr>
+        <p:txBody>
+          <a:bodyPr wrap="square" rtlCol="0">
+            <a:spAutoFit/>
+          </a:bodyPr>
+          <a:lstStyle/>
+          <a:p>
+            <a:r>
+              <a:rPr lang="en-BE" sz="2400" dirty="0"/>
+              <a:t>Test Case(s)</a:t>
+            </a:r>
+          </a:p>
+          <a:p>
+            <a:r>
+              <a:rPr lang="en-BE" sz="2400" dirty="0">
+                <a:latin typeface="Courier" pitchFamily="2" charset="0"/>
+              </a:rPr>
+              <a:t>	ASSERT foo(0, true, true, true) == 0;</a:t>
+            </a:r>
+          </a:p>
+          <a:p>
+            <a:r>
+              <a:rPr lang="en-BE" sz="2400" dirty="0">
+                <a:latin typeface="Courier" pitchFamily="2" charset="0"/>
+              </a:rPr>
+              <a:t>	ASSERT foo(0,false, false, false) == 0;</a:t>
+            </a:r>
+          </a:p>
+        </p:txBody>
+      </p:sp>
+      <p:sp>
+        <p:nvSpPr>
+          <p:cNvPr id="8" name="Oval 7">
+            <a:extLst>
+              <a:ext uri="{FF2B5EF4-FFF2-40B4-BE49-F238E27FC236}">
+                <a16:creationId xmlns:a16="http://schemas.microsoft.com/office/drawing/2014/main" id="{99D25EDC-6E1B-A331-A658-452E06189408}"/>
+              </a:ext>
+            </a:extLst>
+          </p:cNvPr>
+          <p:cNvSpPr/>
+          <p:nvPr/>
+        </p:nvSpPr>
+        <p:spPr>
+          <a:xfrm>
+            <a:off x="3086096" y="5857875"/>
+            <a:ext cx="471488" cy="513687"/>
+          </a:xfrm>
+          <a:prstGeom prst="ellipse">
+            <a:avLst/>
+          </a:prstGeom>
+          <a:solidFill>
+            <a:srgbClr val="15BE23"/>
+          </a:solidFill>
+        </p:spPr>
+        <p:style>
+          <a:lnRef idx="2">
+            <a:schemeClr val="accent1">
+              <a:shade val="50000"/>
+            </a:schemeClr>
+          </a:lnRef>
+          <a:fillRef idx="1">
+            <a:schemeClr val="accent1"/>
+          </a:fillRef>
+          <a:effectRef idx="0">
+            <a:schemeClr val="accent1"/>
+          </a:effectRef>
+          <a:fontRef idx="minor">
+            <a:schemeClr val="lt1"/>
+          </a:fontRef>
+        </p:style>
+        <p:txBody>
+          <a:bodyPr rtlCol="0" anchor="ctr"/>
+          <a:lstStyle/>
+          <a:p>
+            <a:pPr algn="ctr"/>
+            <a:endParaRPr lang="en-BE"/>
+          </a:p>
+        </p:txBody>
+      </p:sp>
+      <p:sp>
+        <p:nvSpPr>
+          <p:cNvPr id="9" name="Oval 8">
+            <a:extLst>
+              <a:ext uri="{FF2B5EF4-FFF2-40B4-BE49-F238E27FC236}">
+                <a16:creationId xmlns:a16="http://schemas.microsoft.com/office/drawing/2014/main" id="{F58A909F-133F-7C55-E14D-B18A4C954A78}"/>
+              </a:ext>
+            </a:extLst>
+          </p:cNvPr>
+          <p:cNvSpPr/>
+          <p:nvPr/>
+        </p:nvSpPr>
+        <p:spPr>
+          <a:xfrm>
+            <a:off x="7829548" y="5857874"/>
+            <a:ext cx="471488" cy="513687"/>
+          </a:xfrm>
+          <a:prstGeom prst="ellipse">
+            <a:avLst/>
+          </a:prstGeom>
+          <a:solidFill>
+            <a:srgbClr val="15BE23"/>
+          </a:solidFill>
+          <a:ln>
+            <a:solidFill>
+              <a:schemeClr val="accent1"/>
+            </a:solidFill>
+          </a:ln>
+        </p:spPr>
+        <p:style>
+          <a:lnRef idx="2">
+            <a:schemeClr val="accent1">
+              <a:shade val="50000"/>
+            </a:schemeClr>
+          </a:lnRef>
+          <a:fillRef idx="1">
+            <a:schemeClr val="accent1"/>
+          </a:fillRef>
+          <a:effectRef idx="0">
+            <a:schemeClr val="accent1"/>
+          </a:effectRef>
+          <a:fontRef idx="minor">
+            <a:schemeClr val="lt1"/>
+          </a:fontRef>
+        </p:style>
+        <p:txBody>
+          <a:bodyPr rtlCol="0" anchor="ctr"/>
+          <a:lstStyle/>
+          <a:p>
+            <a:pPr algn="ctr"/>
+            <a:endParaRPr lang="en-BE"/>
+          </a:p>
+        </p:txBody>
+      </p:sp>
+      <p:sp>
+        <p:nvSpPr>
+          <p:cNvPr id="10" name="TextBox 9">
+            <a:extLst>
+              <a:ext uri="{FF2B5EF4-FFF2-40B4-BE49-F238E27FC236}">
+                <a16:creationId xmlns:a16="http://schemas.microsoft.com/office/drawing/2014/main" id="{FDAA44BC-F6B0-EE70-09BE-ACAB40E9A58B}"/>
+              </a:ext>
+            </a:extLst>
+          </p:cNvPr>
+          <p:cNvSpPr txBox="1"/>
+          <p:nvPr/>
+        </p:nvSpPr>
+        <p:spPr>
+          <a:xfrm>
+            <a:off x="7631906" y="2768601"/>
+            <a:ext cx="3450432" cy="584775"/>
+          </a:xfrm>
+          <a:prstGeom prst="rect">
+            <a:avLst/>
+          </a:prstGeom>
+          <a:noFill/>
+          <a:ln w="28575">
+            <a:solidFill>
+              <a:srgbClr val="C00000"/>
+            </a:solidFill>
+          </a:ln>
+        </p:spPr>
+        <p:txBody>
+          <a:bodyPr wrap="square" rtlCol="0">
+            <a:spAutoFit/>
+          </a:bodyPr>
+          <a:lstStyle/>
+          <a:p>
+            <a:r>
+              <a:rPr lang="en-BE" sz="3200" dirty="0">
+                <a:solidFill>
+                  <a:srgbClr val="C00000"/>
+                </a:solidFill>
+              </a:rPr>
+              <a:t>25% Path Coverage</a:t>
+            </a:r>
+          </a:p>
+        </p:txBody>
+      </p:sp>
+      <p:pic>
+        <p:nvPicPr>
+          <p:cNvPr id="1026" name="Picture 2" descr="Animal, bug, insect, virus, virus bug icon icon - Download on Iconfinder">
+            <a:extLst>
+              <a:ext uri="{FF2B5EF4-FFF2-40B4-BE49-F238E27FC236}">
+                <a16:creationId xmlns:a16="http://schemas.microsoft.com/office/drawing/2014/main" id="{66EB8586-A359-F7CE-48F1-020613191136}"/>
+              </a:ext>
+            </a:extLst>
+          </p:cNvPr>
+          <p:cNvPicPr>
+            <a:picLocks noChangeAspect="1" noChangeArrowheads="1"/>
+          </p:cNvPicPr>
+          <p:nvPr/>
+        </p:nvPicPr>
+        <p:blipFill>
+          <a:blip r:embed="rId4">
+            <a:extLst>
+              <a:ext uri="{28A0092B-C50C-407E-A947-70E740481C1C}">
+                <a14:useLocalDpi xmlns:a14="http://schemas.microsoft.com/office/drawing/2010/main" val="0"/>
+              </a:ext>
+            </a:extLst>
+          </a:blip>
+          <a:srcRect/>
+          <a:stretch>
+            <a:fillRect/>
+          </a:stretch>
+        </p:blipFill>
+        <p:spPr bwMode="auto">
+          <a:xfrm>
+            <a:off x="5943600" y="6371562"/>
+            <a:ext cx="361952" cy="361952"/>
+          </a:xfrm>
+          <a:prstGeom prst="rect">
+            <a:avLst/>
+          </a:prstGeom>
+          <a:noFill/>
+          <a:extLst>
+            <a:ext uri="{909E8E84-426E-40DD-AFC4-6F175D3DCCD1}">
+              <a14:hiddenFill xmlns:a14="http://schemas.microsoft.com/office/drawing/2010/main">
+                <a:solidFill>
+                  <a:srgbClr val="FFFFFF"/>
+                </a:solidFill>
+              </a14:hiddenFill>
+            </a:ext>
+          </a:extLst>
+        </p:spPr>
+      </p:pic>
+    </p:spTree>
+    <p:extLst>
+      <p:ext uri="{BB962C8B-B14F-4D97-AF65-F5344CB8AC3E}">
+        <p14:creationId xmlns:p14="http://schemas.microsoft.com/office/powerpoint/2010/main" val="2484609825"/>
+      </p:ext>
+    </p:extLst>
+  </p:cSld>
+  <p:clrMapOvr>
+    <a:masterClrMapping/>
+  </p:clrMapOvr>
+  <p:timing>
+    <p:tnLst>
+      <p:par>
+        <p:cTn id="1" dur="indefinite" restart="never" nodeType="tmRoot">
+          <p:childTnLst>
+            <p:seq concurrent="1" nextAc="seek">
+              <p:cTn id="2" dur="indefinite" nodeType="mainSeq">
+                <p:childTnLst>
+                  <p:par>
+                    <p:cTn id="3" fill="hold">
+                      <p:stCondLst>
+                        <p:cond delay="indefinite"/>
+                      </p:stCondLst>
+                      <p:childTnLst>
+                        <p:par>
+                          <p:cTn id="4" fill="hold">
+                            <p:stCondLst>
+                              <p:cond delay="0"/>
+                            </p:stCondLst>
+                            <p:childTnLst>
+                              <p:par>
+                                <p:cTn id="5" presetID="9" presetClass="entr" presetSubtype="0" fill="hold" grpId="0" nodeType="clickEffect">
+                                  <p:stCondLst>
+                                    <p:cond delay="0"/>
+                                  </p:stCondLst>
+                                  <p:childTnLst>
+                                    <p:set>
+                                      <p:cBhvr>
+                                        <p:cTn id="6" dur="1" fill="hold">
+                                          <p:stCondLst>
+                                            <p:cond delay="0"/>
+                                          </p:stCondLst>
+                                        </p:cTn>
+                                        <p:tgtEl>
+                                          <p:spTgt spid="10"/>
+                                        </p:tgtEl>
+                                        <p:attrNameLst>
+                                          <p:attrName>style.visibility</p:attrName>
+                                        </p:attrNameLst>
+                                      </p:cBhvr>
+                                      <p:to>
+                                        <p:strVal val="visible"/>
+                                      </p:to>
+                                    </p:set>
+                                    <p:animEffect transition="in" filter="dissolve">
+                                      <p:cBhvr>
+                                        <p:cTn id="7" dur="500"/>
+                                        <p:tgtEl>
+                                          <p:spTgt spid="10"/>
+                                        </p:tgtEl>
+                                      </p:cBhvr>
+                                    </p:animEffect>
+                                  </p:childTnLst>
+                                </p:cTn>
+                              </p:par>
+                            </p:childTnLst>
+                          </p:cTn>
+                        </p:par>
+                      </p:childTnLst>
+                    </p:cTn>
+                  </p:par>
+                  <p:par>
+                    <p:cTn id="8" fill="hold">
+                      <p:stCondLst>
+                        <p:cond delay="indefinite"/>
+                      </p:stCondLst>
+                      <p:childTnLst>
+                        <p:par>
+                          <p:cTn id="9" fill="hold">
+                            <p:stCondLst>
+                              <p:cond delay="0"/>
+                            </p:stCondLst>
+                            <p:childTnLst>
+                              <p:par>
+                                <p:cTn id="10" presetID="1" presetClass="entr" presetSubtype="0" fill="hold" nodeType="clickEffect">
+                                  <p:stCondLst>
+                                    <p:cond delay="0"/>
+                                  </p:stCondLst>
+                                  <p:childTnLst>
+                                    <p:set>
+                                      <p:cBhvr>
+                                        <p:cTn id="11" dur="1" fill="hold">
+                                          <p:stCondLst>
+                                            <p:cond delay="0"/>
+                                          </p:stCondLst>
+                                        </p:cTn>
+                                        <p:tgtEl>
+                                          <p:spTgt spid="1026"/>
+                                        </p:tgtEl>
+                                        <p:attrNameLst>
+                                          <p:attrName>style.visibility</p:attrName>
+                                        </p:attrNameLst>
+                                      </p:cBhvr>
+                                      <p:to>
+                                        <p:strVal val="visible"/>
+                                      </p:to>
+                                    </p:set>
+                                  </p:childTnLst>
+                                </p:cTn>
+                              </p:par>
+                            </p:childTnLst>
+                          </p:cTn>
+                        </p:par>
+                      </p:childTnLst>
+                    </p:cTn>
+                  </p:par>
+                </p:childTnLst>
+              </p:cTn>
+              <p:prevCondLst>
+                <p:cond evt="onPrev" delay="0">
+                  <p:tgtEl>
+                    <p:sldTgt/>
+                  </p:tgtEl>
+                </p:cond>
+              </p:prevCondLst>
+              <p:nextCondLst>
+                <p:cond evt="onNext" delay="0">
+                  <p:tgtEl>
+                    <p:sldTgt/>
+                  </p:tgtEl>
+                </p:cond>
+              </p:nextCondLst>
+            </p:seq>
+          </p:childTnLst>
+        </p:cTn>
+      </p:par>
+    </p:tnLst>
+    <p:bldLst>
+      <p:bldP spid="10" grpId="0" animBg="1"/>
+    </p:bldLst>
+  </p:timing>
+</p:sld>
+</file>
+
+<file path=ppt/slides/slide31.xml><?xml version="1.0" encoding="utf-8"?>
+<p:sld xmlns:a="http://schemas.openxmlformats.org/drawingml/2006/main" xmlns:r="http://schemas.openxmlformats.org/officeDocument/2006/relationships" xmlns:p="http://schemas.openxmlformats.org/presentationml/2006/main">
+  <p:cSld>
+    <p:spTree>
+      <p:nvGrpSpPr>
+        <p:cNvPr id="1" name=""/>
+        <p:cNvGrpSpPr/>
+        <p:nvPr/>
+      </p:nvGrpSpPr>
+      <p:grpSpPr>
+        <a:xfrm>
+          <a:off x="0" y="0"/>
+          <a:ext cx="0" cy="0"/>
+          <a:chOff x="0" y="0"/>
+          <a:chExt cx="0" cy="0"/>
+        </a:xfrm>
+      </p:grpSpPr>
+      <p:sp>
+        <p:nvSpPr>
+          <p:cNvPr id="2" name="Title 1">
+            <a:extLst>
+              <a:ext uri="{FF2B5EF4-FFF2-40B4-BE49-F238E27FC236}">
+                <a16:creationId xmlns:a16="http://schemas.microsoft.com/office/drawing/2014/main" id="{1429DFFC-8FA8-EE41-1911-729E07160D28}"/>
+              </a:ext>
+            </a:extLst>
+          </p:cNvPr>
+          <p:cNvSpPr>
+            <a:spLocks noGrp="1"/>
+          </p:cNvSpPr>
+          <p:nvPr>
+            <p:ph type="title"/>
+          </p:nvPr>
+        </p:nvSpPr>
+        <p:spPr/>
+        <p:txBody>
+          <a:bodyPr/>
+          <a:lstStyle/>
+          <a:p>
+            <a:r>
+              <a:rPr lang="en-GB" dirty="0"/>
+              <a:t>Testing Coverage for the Project</a:t>
+            </a:r>
+            <a:endParaRPr lang="en-BE" dirty="0"/>
+          </a:p>
+        </p:txBody>
+      </p:sp>
+      <p:sp>
+        <p:nvSpPr>
+          <p:cNvPr id="3" name="Content Placeholder 2">
+            <a:extLst>
+              <a:ext uri="{FF2B5EF4-FFF2-40B4-BE49-F238E27FC236}">
+                <a16:creationId xmlns:a16="http://schemas.microsoft.com/office/drawing/2014/main" id="{4A0BD4AA-24AE-4EA8-AE76-56DB2E408BFF}"/>
+              </a:ext>
+            </a:extLst>
+          </p:cNvPr>
+          <p:cNvSpPr>
+            <a:spLocks noGrp="1"/>
+          </p:cNvSpPr>
+          <p:nvPr>
+            <p:ph idx="1"/>
+          </p:nvPr>
+        </p:nvSpPr>
+        <p:spPr/>
+        <p:txBody>
+          <a:bodyPr>
+            <a:normAutofit/>
+          </a:bodyPr>
+          <a:lstStyle/>
+          <a:p>
+            <a:r>
+              <a:rPr lang="en-GB" dirty="0"/>
+              <a:t>It is required to show coverage for your Project (in both the Intermediate and the Final Report)</a:t>
+            </a:r>
+          </a:p>
+          <a:p>
+            <a:pPr lvl="1"/>
+            <a:r>
+              <a:rPr lang="en-GB" dirty="0"/>
+              <a:t>At least Statement Coverage, but Branch Coverage is better.</a:t>
+            </a:r>
+          </a:p>
+          <a:p>
+            <a:r>
+              <a:rPr lang="en-GB" dirty="0"/>
+              <a:t>If your project has very low coverage, you better have a good explanation for that.</a:t>
+            </a:r>
+          </a:p>
+          <a:p>
+            <a:r>
+              <a:rPr lang="en-GB" dirty="0"/>
+              <a:t>Focus on increasing the coverage for the system parts that will be affected by your change.</a:t>
+            </a:r>
+            <a:endParaRPr lang="en-BE" dirty="0"/>
+          </a:p>
+        </p:txBody>
+      </p:sp>
+    </p:spTree>
+    <p:extLst>
+      <p:ext uri="{BB962C8B-B14F-4D97-AF65-F5344CB8AC3E}">
+        <p14:creationId xmlns:p14="http://schemas.microsoft.com/office/powerpoint/2010/main" val="2743627231"/>
+      </p:ext>
+    </p:extLst>
+  </p:cSld>
+  <p:clrMapOvr>
+    <a:masterClrMapping/>
+  </p:clrMapOvr>
+</p:sld>
+</file>
+
+<file path=ppt/slides/slide32.xml><?xml version="1.0" encoding="utf-8"?>
+<p:sld xmlns:a="http://schemas.openxmlformats.org/drawingml/2006/main" xmlns:r="http://schemas.openxmlformats.org/officeDocument/2006/relationships" xmlns:p="http://schemas.openxmlformats.org/presentationml/2006/main">
+  <p:cSld>
+    <p:spTree>
+      <p:nvGrpSpPr>
+        <p:cNvPr id="1" name=""/>
+        <p:cNvGrpSpPr/>
+        <p:nvPr/>
+      </p:nvGrpSpPr>
+      <p:grpSpPr>
+        <a:xfrm>
+          <a:off x="0" y="0"/>
+          <a:ext cx="0" cy="0"/>
+          <a:chOff x="0" y="0"/>
+          <a:chExt cx="0" cy="0"/>
+        </a:xfrm>
+      </p:grpSpPr>
+      <p:pic>
+        <p:nvPicPr>
+          <p:cNvPr id="5" name="Picture 4" descr="Table&#10;&#10;Description automatically generated">
+            <a:extLst>
+              <a:ext uri="{FF2B5EF4-FFF2-40B4-BE49-F238E27FC236}">
+                <a16:creationId xmlns:a16="http://schemas.microsoft.com/office/drawing/2014/main" id="{554B8F2B-14BE-D4BE-86C1-83BF01A60DC9}"/>
+              </a:ext>
+            </a:extLst>
+          </p:cNvPr>
+          <p:cNvPicPr>
+            <a:picLocks noChangeAspect="1"/>
+          </p:cNvPicPr>
+          <p:nvPr/>
+        </p:nvPicPr>
+        <p:blipFill>
+          <a:blip r:embed="rId2"/>
+          <a:stretch>
+            <a:fillRect/>
+          </a:stretch>
+        </p:blipFill>
+        <p:spPr>
+          <a:xfrm rot="1106410">
+            <a:off x="1071767" y="2464904"/>
+            <a:ext cx="10508976" cy="2411896"/>
+          </a:xfrm>
+          <a:prstGeom prst="rect">
+            <a:avLst/>
+          </a:prstGeom>
+        </p:spPr>
+      </p:pic>
+    </p:spTree>
+    <p:extLst>
+      <p:ext uri="{BB962C8B-B14F-4D97-AF65-F5344CB8AC3E}">
+        <p14:creationId xmlns:p14="http://schemas.microsoft.com/office/powerpoint/2010/main" val="3877373071"/>
+      </p:ext>
+    </p:extLst>
+  </p:cSld>
+  <p:clrMapOvr>
+    <a:masterClrMapping/>
+  </p:clrMapOvr>
+</p:sld>
+</file>
+
 <file path=ppt/slides/slide4.xml><?xml version="1.0" encoding="utf-8"?>
 <p:sld xmlns:a="http://schemas.openxmlformats.org/drawingml/2006/main" xmlns:r="http://schemas.openxmlformats.org/officeDocument/2006/relationships" xmlns:p="http://schemas.openxmlformats.org/presentationml/2006/main">
   <p:cSld>
@@ -14815,8 +19694,8 @@
         </p:nvSpPr>
         <p:spPr>
           <a:xfrm>
-            <a:off x="1031487" y="1672903"/>
-            <a:ext cx="9439507" cy="2308324"/>
+            <a:off x="874643" y="1672903"/>
+            <a:ext cx="10389948" cy="2677656"/>
           </a:xfrm>
           <a:prstGeom prst="rect">
             <a:avLst/>
@@ -14834,7 +19713,7 @@
               <a:buChar char="•"/>
             </a:pPr>
             <a:r>
-              <a:rPr lang="en-GB" sz="2400" dirty="0">
+              <a:rPr lang="en-GB" sz="2800" dirty="0">
                 <a:effectLst/>
                 <a:latin typeface="Times"/>
               </a:rPr>
@@ -14847,13 +19726,13 @@
               <a:buChar char="•"/>
             </a:pPr>
             <a:r>
-              <a:rPr lang="en-GB" sz="2400" dirty="0">
+              <a:rPr lang="en-GB" sz="2800" dirty="0">
                 <a:effectLst/>
                 <a:latin typeface="Times"/>
               </a:rPr>
               <a:t>A high coverage with unit tests can prevent time-consuming and frustrating debugging sessions.</a:t>
             </a:r>
-            <a:endParaRPr lang="en-GB" sz="2400" dirty="0">
+            <a:endParaRPr lang="en-GB" sz="2800" dirty="0">
               <a:latin typeface="Times"/>
             </a:endParaRPr>
           </a:p>
@@ -14863,7 +19742,7 @@
               <a:buChar char="•"/>
             </a:pPr>
             <a:r>
-              <a:rPr lang="en-GB" sz="2400" dirty="0">
+              <a:rPr lang="en-GB" sz="2800" dirty="0">
                 <a:effectLst/>
                 <a:latin typeface="Times"/>
               </a:rPr>
@@ -15125,7 +20004,7 @@
         </p:blipFill>
         <p:spPr bwMode="auto">
           <a:xfrm>
-            <a:off x="9316279" y="2628486"/>
+            <a:off x="8825949" y="2096535"/>
             <a:ext cx="1601028" cy="1601028"/>
           </a:xfrm>
           <a:prstGeom prst="rect">

--- a/teaching/CS472-Spring2023/Timetable/Software_Testing.pptx
+++ b/teaching/CS472-Spring2023/Timetable/Software_Testing.pptx
@@ -14338,8 +14338,8 @@
         </p:nvSpPr>
         <p:spPr>
           <a:xfrm>
-            <a:off x="4161185" y="5711687"/>
-            <a:ext cx="3193774" cy="369332"/>
+            <a:off x="2716697" y="5711687"/>
+            <a:ext cx="6149008" cy="646331"/>
           </a:xfrm>
           <a:prstGeom prst="rect">
             <a:avLst/>
@@ -14352,10 +14352,27 @@
           </a:bodyPr>
           <a:lstStyle/>
           <a:p>
+            <a:pPr algn="ctr"/>
             <a:r>
               <a:rPr lang="en-BE" dirty="0"/>
               <a:t>Free PDF version on Springer</a:t>
             </a:r>
+          </a:p>
+          <a:p>
+            <a:pPr algn="ctr"/>
+            <a:r>
+              <a:rPr lang="en-GB" dirty="0"/>
+              <a:t>https://</a:t>
+            </a:r>
+            <a:r>
+              <a:rPr lang="en-GB" dirty="0" err="1"/>
+              <a:t>link.springer.com</a:t>
+            </a:r>
+            <a:r>
+              <a:rPr lang="en-GB" dirty="0"/>
+              <a:t>/book/10.1007/978-1-4842-5949-8</a:t>
+            </a:r>
+            <a:endParaRPr lang="en-BE" dirty="0"/>
           </a:p>
         </p:txBody>
       </p:sp>
